--- a/se_process/milestone3/milestone3.pptx
+++ b/se_process/milestone3/milestone3.pptx
@@ -5,21 +5,45 @@
     <p:sldMasterId id="2147483684" r:id="rId1"/>
   </p:sldMasterIdLst>
   <p:notesMasterIdLst>
-    <p:notesMasterId r:id="rId14"/>
+    <p:notesMasterId r:id="rId38"/>
   </p:notesMasterIdLst>
   <p:sldIdLst>
     <p:sldId id="256" r:id="rId2"/>
     <p:sldId id="257" r:id="rId3"/>
     <p:sldId id="258" r:id="rId4"/>
     <p:sldId id="261" r:id="rId5"/>
-    <p:sldId id="262" r:id="rId6"/>
-    <p:sldId id="264" r:id="rId7"/>
-    <p:sldId id="286" r:id="rId8"/>
-    <p:sldId id="287" r:id="rId9"/>
-    <p:sldId id="259" r:id="rId10"/>
-    <p:sldId id="265" r:id="rId11"/>
-    <p:sldId id="266" r:id="rId12"/>
-    <p:sldId id="275" r:id="rId13"/>
+    <p:sldId id="264" r:id="rId6"/>
+    <p:sldId id="286" r:id="rId7"/>
+    <p:sldId id="287" r:id="rId8"/>
+    <p:sldId id="259" r:id="rId9"/>
+    <p:sldId id="290" r:id="rId10"/>
+    <p:sldId id="296" r:id="rId11"/>
+    <p:sldId id="291" r:id="rId12"/>
+    <p:sldId id="297" r:id="rId13"/>
+    <p:sldId id="298" r:id="rId14"/>
+    <p:sldId id="299" r:id="rId15"/>
+    <p:sldId id="300" r:id="rId16"/>
+    <p:sldId id="292" r:id="rId17"/>
+    <p:sldId id="301" r:id="rId18"/>
+    <p:sldId id="293" r:id="rId19"/>
+    <p:sldId id="302" r:id="rId20"/>
+    <p:sldId id="294" r:id="rId21"/>
+    <p:sldId id="303" r:id="rId22"/>
+    <p:sldId id="295" r:id="rId23"/>
+    <p:sldId id="304" r:id="rId24"/>
+    <p:sldId id="305" r:id="rId25"/>
+    <p:sldId id="306" r:id="rId26"/>
+    <p:sldId id="307" r:id="rId27"/>
+    <p:sldId id="308" r:id="rId28"/>
+    <p:sldId id="309" r:id="rId29"/>
+    <p:sldId id="310" r:id="rId30"/>
+    <p:sldId id="311" r:id="rId31"/>
+    <p:sldId id="312" r:id="rId32"/>
+    <p:sldId id="265" r:id="rId33"/>
+    <p:sldId id="288" r:id="rId34"/>
+    <p:sldId id="289" r:id="rId35"/>
+    <p:sldId id="266" r:id="rId36"/>
+    <p:sldId id="275" r:id="rId37"/>
   </p:sldIdLst>
   <p:sldSz cx="9144000" cy="6858000" type="screen4x3"/>
   <p:notesSz cx="6858000" cy="9144000"/>
@@ -203,7 +227,7 @@
           <a:p>
             <a:fld id="{B97E48AD-3BAE-BE47-BEAC-B0973A2754C5}" type="datetimeFigureOut">
               <a:rPr lang="en-US" smtClean="0"/>
-              <a:t>11/6/12</a:t>
+              <a:t>11/8/12</a:t>
             </a:fld>
             <a:endParaRPr lang="en-US"/>
           </a:p>
@@ -652,7 +676,7 @@
           <a:p>
             <a:fld id="{1C2FB352-3FF1-4E47-B432-380F887EB6CA}" type="datetimeFigureOut">
               <a:rPr lang="en-US" smtClean="0"/>
-              <a:t>11/6/12</a:t>
+              <a:t>11/8/12</a:t>
             </a:fld>
             <a:endParaRPr lang="en-US"/>
           </a:p>
@@ -822,7 +846,7 @@
           <a:p>
             <a:fld id="{1C2FB352-3FF1-4E47-B432-380F887EB6CA}" type="datetimeFigureOut">
               <a:rPr lang="en-US" smtClean="0"/>
-              <a:t>11/6/12</a:t>
+              <a:t>11/8/12</a:t>
             </a:fld>
             <a:endParaRPr lang="en-US"/>
           </a:p>
@@ -1002,7 +1026,7 @@
           <a:p>
             <a:fld id="{1C2FB352-3FF1-4E47-B432-380F887EB6CA}" type="datetimeFigureOut">
               <a:rPr lang="en-US" smtClean="0"/>
-              <a:t>11/6/12</a:t>
+              <a:t>11/8/12</a:t>
             </a:fld>
             <a:endParaRPr lang="en-US"/>
           </a:p>
@@ -1090,39 +1114,44 @@
             <p:ph type="title"/>
           </p:nvPr>
         </p:nvSpPr>
-        <p:spPr/>
-        <p:txBody>
-          <a:bodyPr/>
-          <a:lstStyle/>
-          <a:p>
-            <a:r>
-              <a:rPr lang="en-US" smtClean="0"/>
-              <a:t>Click to edit Master title style</a:t>
-            </a:r>
-            <a:endParaRPr lang="en-US"/>
-          </a:p>
-        </p:txBody>
-      </p:sp>
-      <p:sp>
-        <p:nvSpPr>
-          <p:cNvPr id="3" name="Content Placeholder 2"/>
-          <p:cNvSpPr>
-            <a:spLocks noGrp="1"/>
-          </p:cNvSpPr>
-          <p:nvPr>
-            <p:ph idx="1"/>
-          </p:nvPr>
-        </p:nvSpPr>
         <p:spPr>
           <a:xfrm>
-            <a:off x="457200" y="1905475"/>
-            <a:ext cx="8229600" cy="4525963"/>
+            <a:off x="457200" y="58478"/>
+            <a:ext cx="8229600" cy="1143000"/>
           </a:xfrm>
         </p:spPr>
         <p:txBody>
           <a:bodyPr/>
           <a:lstStyle/>
           <a:p>
+            <a:r>
+              <a:rPr lang="en-US" smtClean="0"/>
+              <a:t>Click to edit Master title style</a:t>
+            </a:r>
+            <a:endParaRPr lang="en-US"/>
+          </a:p>
+        </p:txBody>
+      </p:sp>
+      <p:sp>
+        <p:nvSpPr>
+          <p:cNvPr id="3" name="Content Placeholder 2"/>
+          <p:cNvSpPr>
+            <a:spLocks noGrp="1"/>
+          </p:cNvSpPr>
+          <p:nvPr>
+            <p:ph idx="1"/>
+          </p:nvPr>
+        </p:nvSpPr>
+        <p:spPr>
+          <a:xfrm>
+            <a:off x="457200" y="1526627"/>
+            <a:ext cx="8229600" cy="4904811"/>
+          </a:xfrm>
+        </p:spPr>
+        <p:txBody>
+          <a:bodyPr/>
+          <a:lstStyle/>
+          <a:p>
             <a:pPr lvl="0"/>
             <a:r>
               <a:rPr lang="en-US" dirty="0" smtClean="0"/>
@@ -1177,7 +1206,7 @@
           <a:p>
             <a:fld id="{1C2FB352-3FF1-4E47-B432-380F887EB6CA}" type="datetimeFigureOut">
               <a:rPr lang="en-US" smtClean="0"/>
-              <a:t>11/6/12</a:t>
+              <a:t>11/8/12</a:t>
             </a:fld>
             <a:endParaRPr lang="en-US"/>
           </a:p>
@@ -1233,7 +1262,7 @@
         </p:nvSpPr>
         <p:spPr>
           <a:xfrm>
-            <a:off x="0" y="1417638"/>
+            <a:off x="0" y="1201478"/>
             <a:ext cx="9144000" cy="182562"/>
           </a:xfrm>
           <a:prstGeom prst="rect">
@@ -1461,7 +1490,7 @@
           <a:p>
             <a:fld id="{1C2FB352-3FF1-4E47-B432-380F887EB6CA}" type="datetimeFigureOut">
               <a:rPr lang="en-US" smtClean="0"/>
-              <a:t>11/6/12</a:t>
+              <a:t>11/8/12</a:t>
             </a:fld>
             <a:endParaRPr lang="en-US"/>
           </a:p>
@@ -1749,7 +1778,7 @@
           <a:p>
             <a:fld id="{1C2FB352-3FF1-4E47-B432-380F887EB6CA}" type="datetimeFigureOut">
               <a:rPr lang="en-US" smtClean="0"/>
-              <a:t>11/6/12</a:t>
+              <a:t>11/8/12</a:t>
             </a:fld>
             <a:endParaRPr lang="en-US"/>
           </a:p>
@@ -2171,7 +2200,7 @@
           <a:p>
             <a:fld id="{1C2FB352-3FF1-4E47-B432-380F887EB6CA}" type="datetimeFigureOut">
               <a:rPr lang="en-US" smtClean="0"/>
-              <a:t>11/6/12</a:t>
+              <a:t>11/8/12</a:t>
             </a:fld>
             <a:endParaRPr lang="en-US"/>
           </a:p>
@@ -2289,7 +2318,7 @@
           <a:p>
             <a:fld id="{1C2FB352-3FF1-4E47-B432-380F887EB6CA}" type="datetimeFigureOut">
               <a:rPr lang="en-US" smtClean="0"/>
-              <a:t>11/6/12</a:t>
+              <a:t>11/8/12</a:t>
             </a:fld>
             <a:endParaRPr lang="en-US"/>
           </a:p>
@@ -2384,7 +2413,7 @@
           <a:p>
             <a:fld id="{1C2FB352-3FF1-4E47-B432-380F887EB6CA}" type="datetimeFigureOut">
               <a:rPr lang="en-US" smtClean="0"/>
-              <a:t>11/6/12</a:t>
+              <a:t>11/8/12</a:t>
             </a:fld>
             <a:endParaRPr lang="en-US"/>
           </a:p>
@@ -2661,7 +2690,7 @@
           <a:p>
             <a:fld id="{1C2FB352-3FF1-4E47-B432-380F887EB6CA}" type="datetimeFigureOut">
               <a:rPr lang="en-US" smtClean="0"/>
-              <a:t>11/6/12</a:t>
+              <a:t>11/8/12</a:t>
             </a:fld>
             <a:endParaRPr lang="en-US"/>
           </a:p>
@@ -2914,7 +2943,7 @@
           <a:p>
             <a:fld id="{1C2FB352-3FF1-4E47-B432-380F887EB6CA}" type="datetimeFigureOut">
               <a:rPr lang="en-US" smtClean="0"/>
-              <a:t>11/6/12</a:t>
+              <a:t>11/8/12</a:t>
             </a:fld>
             <a:endParaRPr lang="en-US"/>
           </a:p>
@@ -3127,7 +3156,7 @@
           <a:p>
             <a:fld id="{1C2FB352-3FF1-4E47-B432-380F887EB6CA}" type="datetimeFigureOut">
               <a:rPr lang="en-US" smtClean="0"/>
-              <a:t>11/6/12</a:t>
+              <a:t>11/8/12</a:t>
             </a:fld>
             <a:endParaRPr lang="en-US"/>
           </a:p>
@@ -3526,11 +3555,7 @@
             </a:br>
             <a:r>
               <a:rPr lang="en-US" dirty="0" smtClean="0"/>
-              <a:t>Milestone </a:t>
-            </a:r>
-            <a:r>
-              <a:rPr lang="en-US" dirty="0" smtClean="0"/>
-              <a:t>3</a:t>
+              <a:t>Milestone 3</a:t>
             </a:r>
             <a:endParaRPr lang="en-US" dirty="0"/>
           </a:p>
@@ -3642,37 +3667,35 @@
           <a:p>
             <a:r>
               <a:rPr lang="en-US" dirty="0" smtClean="0"/>
-              <a:t>Project Planning</a:t>
+              <a:t>Cornell Daily Tech Brand</a:t>
             </a:r>
             <a:endParaRPr lang="en-US" dirty="0"/>
           </a:p>
         </p:txBody>
       </p:sp>
-      <p:sp>
-        <p:nvSpPr>
-          <p:cNvPr id="3" name="Content Placeholder 2"/>
-          <p:cNvSpPr>
-            <a:spLocks noGrp="1"/>
-          </p:cNvSpPr>
+      <p:pic>
+        <p:nvPicPr>
+          <p:cNvPr id="4" name="Content Placeholder 3"/>
+          <p:cNvPicPr>
+            <a:picLocks noGrp="1" noChangeAspect="1"/>
+          </p:cNvPicPr>
           <p:nvPr>
             <p:ph idx="1"/>
           </p:nvPr>
-        </p:nvSpPr>
-        <p:spPr/>
-        <p:txBody>
-          <a:bodyPr>
-            <a:normAutofit/>
-          </a:bodyPr>
-          <a:lstStyle/>
-          <a:p>
-            <a:endParaRPr lang="en-US" dirty="0"/>
-          </a:p>
-        </p:txBody>
-      </p:sp>
+        </p:nvPicPr>
+        <p:blipFill>
+          <a:blip r:embed="rId2"/>
+          <a:srcRect t="3095" b="3095"/>
+          <a:stretch>
+            <a:fillRect/>
+          </a:stretch>
+        </p:blipFill>
+        <p:spPr/>
+      </p:pic>
     </p:spTree>
     <p:extLst>
       <p:ext uri="{BB962C8B-B14F-4D97-AF65-F5344CB8AC3E}">
-        <p14:creationId xmlns:p14="http://schemas.microsoft.com/office/powerpoint/2010/main" val="798797315"/>
+        <p14:creationId xmlns:p14="http://schemas.microsoft.com/office/powerpoint/2010/main" val="2076861973"/>
       </p:ext>
     </p:extLst>
   </p:cSld>
@@ -3715,8 +3738,8 @@
           <a:lstStyle/>
           <a:p>
             <a:r>
-              <a:rPr lang="en-US" dirty="0" smtClean="0"/>
-              <a:t>Issues That Have Arisen</a:t>
+              <a:rPr lang="en-US" dirty="0"/>
+              <a:t>Website Interface</a:t>
             </a:r>
             <a:endParaRPr lang="en-US" dirty="0"/>
           </a:p>
@@ -3734,8 +3757,89 @@
         </p:nvSpPr>
         <p:spPr/>
         <p:txBody>
-          <a:bodyPr/>
-          <a:lstStyle/>
+          <a:bodyPr>
+            <a:normAutofit fontScale="92500" lnSpcReduction="10000"/>
+          </a:bodyPr>
+          <a:lstStyle/>
+          <a:p>
+            <a:r>
+              <a:rPr lang="en-US" dirty="0" smtClean="0"/>
+              <a:t>HTML / CSS</a:t>
+            </a:r>
+          </a:p>
+          <a:p>
+            <a:pPr lvl="1"/>
+            <a:r>
+              <a:rPr lang="en-US" dirty="0"/>
+              <a:t>Featured </a:t>
+            </a:r>
+            <a:r>
+              <a:rPr lang="en-US" dirty="0" smtClean="0"/>
+              <a:t>article &amp; Grid layout for articles</a:t>
+            </a:r>
+          </a:p>
+          <a:p>
+            <a:pPr lvl="1"/>
+            <a:r>
+              <a:rPr lang="en-US" dirty="0" smtClean="0"/>
+              <a:t>Image resizing / formatting</a:t>
+            </a:r>
+          </a:p>
+          <a:p>
+            <a:pPr lvl="1"/>
+            <a:r>
+              <a:rPr lang="en-US" dirty="0" smtClean="0"/>
+              <a:t>Fonts, Date &amp; Time Format</a:t>
+            </a:r>
+          </a:p>
+          <a:p>
+            <a:pPr lvl="1"/>
+            <a:r>
+              <a:rPr lang="en-US" dirty="0" smtClean="0"/>
+              <a:t>Shadow around content</a:t>
+            </a:r>
+          </a:p>
+          <a:p>
+            <a:r>
+              <a:rPr lang="en-US" dirty="0" smtClean="0"/>
+              <a:t>Permanent vs. Trending Navigation</a:t>
+            </a:r>
+          </a:p>
+          <a:p>
+            <a:pPr lvl="1"/>
+            <a:r>
+              <a:rPr lang="en-US" dirty="0" smtClean="0"/>
+              <a:t>Trending tags italicized</a:t>
+            </a:r>
+            <a:r>
+              <a:rPr lang="en-US" dirty="0" smtClean="0"/>
+              <a:t>, vertical bar, permanent tags bolded</a:t>
+            </a:r>
+          </a:p>
+          <a:p>
+            <a:r>
+              <a:rPr lang="en-US" dirty="0" smtClean="0"/>
+              <a:t>URL Aliasing</a:t>
+            </a:r>
+          </a:p>
+          <a:p>
+            <a:pPr lvl="1"/>
+            <a:r>
+              <a:rPr lang="en-US" dirty="0" smtClean="0"/>
+              <a:t>Articles have name in URL instead of </a:t>
+            </a:r>
+            <a:r>
+              <a:rPr lang="en-US" dirty="0" err="1" smtClean="0"/>
+              <a:t>nodeID</a:t>
+            </a:r>
+            <a:r>
+              <a:rPr lang="en-US" dirty="0" smtClean="0"/>
+              <a:t> for better search engine optimization</a:t>
+            </a:r>
+          </a:p>
+          <a:p>
+            <a:endParaRPr lang="en-US" dirty="0" smtClean="0"/>
+          </a:p>
           <a:p>
             <a:endParaRPr lang="en-US" dirty="0" smtClean="0"/>
           </a:p>
@@ -3744,7 +3848,7 @@
     </p:spTree>
     <p:extLst>
       <p:ext uri="{BB962C8B-B14F-4D97-AF65-F5344CB8AC3E}">
-        <p14:creationId xmlns:p14="http://schemas.microsoft.com/office/powerpoint/2010/main" val="435606885"/>
+        <p14:creationId xmlns:p14="http://schemas.microsoft.com/office/powerpoint/2010/main" val="2773376675"/>
       </p:ext>
     </p:extLst>
   </p:cSld>
@@ -3787,16 +3891,410 @@
           <a:lstStyle/>
           <a:p>
             <a:r>
-              <a:rPr lang="en-US" dirty="0" smtClean="0"/>
-              <a:t>Milestone </a:t>
-            </a:r>
-            <a:r>
-              <a:rPr lang="en-US" dirty="0" smtClean="0"/>
-              <a:t>3 </a:t>
-            </a:r>
-            <a:r>
-              <a:rPr lang="en-US" dirty="0" smtClean="0"/>
-              <a:t>Summary</a:t>
+              <a:rPr lang="en-US" dirty="0"/>
+              <a:t>Website Interface</a:t>
+            </a:r>
+            <a:endParaRPr lang="en-US" dirty="0"/>
+          </a:p>
+        </p:txBody>
+      </p:sp>
+      <p:sp>
+        <p:nvSpPr>
+          <p:cNvPr id="3" name="Content Placeholder 2"/>
+          <p:cNvSpPr>
+            <a:spLocks noGrp="1"/>
+          </p:cNvSpPr>
+          <p:nvPr>
+            <p:ph idx="1"/>
+          </p:nvPr>
+        </p:nvSpPr>
+        <p:spPr/>
+        <p:txBody>
+          <a:bodyPr>
+            <a:normAutofit fontScale="92500" lnSpcReduction="20000"/>
+          </a:bodyPr>
+          <a:lstStyle/>
+          <a:p>
+            <a:r>
+              <a:rPr lang="en-US" dirty="0" smtClean="0"/>
+              <a:t>Installed Components</a:t>
+            </a:r>
+          </a:p>
+          <a:p>
+            <a:pPr lvl="1"/>
+            <a:r>
+              <a:rPr lang="en-US" dirty="0" smtClean="0"/>
+              <a:t>Nodes in Block</a:t>
+            </a:r>
+          </a:p>
+          <a:p>
+            <a:pPr lvl="2"/>
+            <a:r>
+              <a:rPr lang="en-US" dirty="0" smtClean="0"/>
+              <a:t>Featured article on homepage</a:t>
+            </a:r>
+          </a:p>
+          <a:p>
+            <a:pPr lvl="1"/>
+            <a:r>
+              <a:rPr lang="en-US" dirty="0" smtClean="0"/>
+              <a:t>Menu HTML</a:t>
+            </a:r>
+          </a:p>
+          <a:p>
+            <a:pPr lvl="2"/>
+            <a:r>
+              <a:rPr lang="en-US" dirty="0" smtClean="0"/>
+              <a:t>&lt;EM&gt; tags for italicized trending tags</a:t>
+            </a:r>
+          </a:p>
+          <a:p>
+            <a:pPr lvl="1"/>
+            <a:r>
+              <a:rPr lang="en-US" dirty="0" err="1" smtClean="0"/>
+              <a:t>Pathauto</a:t>
+            </a:r>
+            <a:endParaRPr lang="en-US" dirty="0" smtClean="0"/>
+          </a:p>
+          <a:p>
+            <a:pPr lvl="2"/>
+            <a:r>
+              <a:rPr lang="en-US" dirty="0" smtClean="0"/>
+              <a:t>Improved URLS for SEO</a:t>
+            </a:r>
+          </a:p>
+          <a:p>
+            <a:pPr lvl="1"/>
+            <a:r>
+              <a:rPr lang="en-US" dirty="0" smtClean="0"/>
+              <a:t>Special Menu Items</a:t>
+            </a:r>
+          </a:p>
+          <a:p>
+            <a:pPr lvl="2"/>
+            <a:r>
+              <a:rPr lang="en-US" dirty="0" smtClean="0"/>
+              <a:t>Divider between trending and permanent tags</a:t>
+            </a:r>
+          </a:p>
+          <a:p>
+            <a:pPr lvl="1"/>
+            <a:r>
+              <a:rPr lang="en-US" dirty="0" smtClean="0"/>
+              <a:t>Views, Views UI</a:t>
+            </a:r>
+          </a:p>
+          <a:p>
+            <a:pPr lvl="2"/>
+            <a:r>
+              <a:rPr lang="en-US" dirty="0" smtClean="0"/>
+              <a:t>Grid of articles on the homepage</a:t>
+            </a:r>
+          </a:p>
+          <a:p>
+            <a:pPr lvl="1"/>
+            <a:r>
+              <a:rPr lang="en-US" dirty="0" smtClean="0"/>
+              <a:t>Chaos Tool &amp; Tokens Tool</a:t>
+            </a:r>
+          </a:p>
+          <a:p>
+            <a:pPr lvl="2"/>
+            <a:r>
+              <a:rPr lang="en-US" dirty="0" smtClean="0"/>
+              <a:t>Required by various modules</a:t>
+            </a:r>
+            <a:endParaRPr lang="en-US" dirty="0" smtClean="0"/>
+          </a:p>
+          <a:p>
+            <a:endParaRPr lang="en-US" dirty="0" smtClean="0"/>
+          </a:p>
+        </p:txBody>
+      </p:sp>
+    </p:spTree>
+    <p:extLst>
+      <p:ext uri="{BB962C8B-B14F-4D97-AF65-F5344CB8AC3E}">
+        <p14:creationId xmlns:p14="http://schemas.microsoft.com/office/powerpoint/2010/main" val="1757040731"/>
+      </p:ext>
+    </p:extLst>
+  </p:cSld>
+  <p:clrMapOvr>
+    <a:masterClrMapping/>
+  </p:clrMapOvr>
+</p:sld>
+</file>
+
+<file path=ppt/slides/slide13.xml><?xml version="1.0" encoding="utf-8"?>
+<p:sld xmlns:a="http://schemas.openxmlformats.org/drawingml/2006/main" xmlns:r="http://schemas.openxmlformats.org/officeDocument/2006/relationships" xmlns:p="http://schemas.openxmlformats.org/presentationml/2006/main">
+  <p:cSld>
+    <p:spTree>
+      <p:nvGrpSpPr>
+        <p:cNvPr id="1" name=""/>
+        <p:cNvGrpSpPr/>
+        <p:nvPr/>
+      </p:nvGrpSpPr>
+      <p:grpSpPr>
+        <a:xfrm>
+          <a:off x="0" y="0"/>
+          <a:ext cx="0" cy="0"/>
+          <a:chOff x="0" y="0"/>
+          <a:chExt cx="0" cy="0"/>
+        </a:xfrm>
+      </p:grpSpPr>
+      <p:sp>
+        <p:nvSpPr>
+          <p:cNvPr id="2" name="Title 1"/>
+          <p:cNvSpPr>
+            <a:spLocks noGrp="1"/>
+          </p:cNvSpPr>
+          <p:nvPr>
+            <p:ph type="title"/>
+          </p:nvPr>
+        </p:nvSpPr>
+        <p:spPr/>
+        <p:txBody>
+          <a:bodyPr/>
+          <a:lstStyle/>
+          <a:p>
+            <a:r>
+              <a:rPr lang="en-US" dirty="0"/>
+              <a:t>Website Interface</a:t>
+            </a:r>
+            <a:endParaRPr lang="en-US" dirty="0"/>
+          </a:p>
+        </p:txBody>
+      </p:sp>
+      <p:pic>
+        <p:nvPicPr>
+          <p:cNvPr id="4" name="Content Placeholder 3" descr="screenshot1.png"/>
+          <p:cNvPicPr>
+            <a:picLocks noGrp="1" noChangeAspect="1"/>
+          </p:cNvPicPr>
+          <p:nvPr>
+            <p:ph idx="1"/>
+          </p:nvPr>
+        </p:nvPicPr>
+        <p:blipFill>
+          <a:blip r:embed="rId2">
+            <a:extLst>
+              <a:ext uri="{28A0092B-C50C-407E-A947-70E740481C1C}">
+                <a14:useLocalDpi xmlns:a14="http://schemas.microsoft.com/office/drawing/2010/main" val="0"/>
+              </a:ext>
+            </a:extLst>
+          </a:blip>
+          <a:srcRect t="-1146" b="-1146"/>
+          <a:stretch>
+            <a:fillRect/>
+          </a:stretch>
+        </p:blipFill>
+        <p:spPr/>
+      </p:pic>
+    </p:spTree>
+    <p:extLst>
+      <p:ext uri="{BB962C8B-B14F-4D97-AF65-F5344CB8AC3E}">
+        <p14:creationId xmlns:p14="http://schemas.microsoft.com/office/powerpoint/2010/main" val="3801757722"/>
+      </p:ext>
+    </p:extLst>
+  </p:cSld>
+  <p:clrMapOvr>
+    <a:masterClrMapping/>
+  </p:clrMapOvr>
+</p:sld>
+</file>
+
+<file path=ppt/slides/slide14.xml><?xml version="1.0" encoding="utf-8"?>
+<p:sld xmlns:a="http://schemas.openxmlformats.org/drawingml/2006/main" xmlns:r="http://schemas.openxmlformats.org/officeDocument/2006/relationships" xmlns:p="http://schemas.openxmlformats.org/presentationml/2006/main">
+  <p:cSld>
+    <p:spTree>
+      <p:nvGrpSpPr>
+        <p:cNvPr id="1" name=""/>
+        <p:cNvGrpSpPr/>
+        <p:nvPr/>
+      </p:nvGrpSpPr>
+      <p:grpSpPr>
+        <a:xfrm>
+          <a:off x="0" y="0"/>
+          <a:ext cx="0" cy="0"/>
+          <a:chOff x="0" y="0"/>
+          <a:chExt cx="0" cy="0"/>
+        </a:xfrm>
+      </p:grpSpPr>
+      <p:sp>
+        <p:nvSpPr>
+          <p:cNvPr id="2" name="Title 1"/>
+          <p:cNvSpPr>
+            <a:spLocks noGrp="1"/>
+          </p:cNvSpPr>
+          <p:nvPr>
+            <p:ph type="title"/>
+          </p:nvPr>
+        </p:nvSpPr>
+        <p:spPr/>
+        <p:txBody>
+          <a:bodyPr/>
+          <a:lstStyle/>
+          <a:p>
+            <a:r>
+              <a:rPr lang="en-US" dirty="0"/>
+              <a:t>Website Interface</a:t>
+            </a:r>
+            <a:endParaRPr lang="en-US" dirty="0"/>
+          </a:p>
+        </p:txBody>
+      </p:sp>
+      <p:pic>
+        <p:nvPicPr>
+          <p:cNvPr id="5" name="Content Placeholder 4" descr="screenshot2.png"/>
+          <p:cNvPicPr>
+            <a:picLocks noGrp="1" noChangeAspect="1"/>
+          </p:cNvPicPr>
+          <p:nvPr>
+            <p:ph idx="1"/>
+          </p:nvPr>
+        </p:nvPicPr>
+        <p:blipFill>
+          <a:blip r:embed="rId2">
+            <a:extLst>
+              <a:ext uri="{28A0092B-C50C-407E-A947-70E740481C1C}">
+                <a14:useLocalDpi xmlns:a14="http://schemas.microsoft.com/office/drawing/2010/main" val="0"/>
+              </a:ext>
+            </a:extLst>
+          </a:blip>
+          <a:srcRect t="-1391" b="-1391"/>
+          <a:stretch>
+            <a:fillRect/>
+          </a:stretch>
+        </p:blipFill>
+        <p:spPr/>
+      </p:pic>
+    </p:spTree>
+    <p:extLst>
+      <p:ext uri="{BB962C8B-B14F-4D97-AF65-F5344CB8AC3E}">
+        <p14:creationId xmlns:p14="http://schemas.microsoft.com/office/powerpoint/2010/main" val="1261723342"/>
+      </p:ext>
+    </p:extLst>
+  </p:cSld>
+  <p:clrMapOvr>
+    <a:masterClrMapping/>
+  </p:clrMapOvr>
+</p:sld>
+</file>
+
+<file path=ppt/slides/slide15.xml><?xml version="1.0" encoding="utf-8"?>
+<p:sld xmlns:a="http://schemas.openxmlformats.org/drawingml/2006/main" xmlns:r="http://schemas.openxmlformats.org/officeDocument/2006/relationships" xmlns:p="http://schemas.openxmlformats.org/presentationml/2006/main">
+  <p:cSld>
+    <p:spTree>
+      <p:nvGrpSpPr>
+        <p:cNvPr id="1" name=""/>
+        <p:cNvGrpSpPr/>
+        <p:nvPr/>
+      </p:nvGrpSpPr>
+      <p:grpSpPr>
+        <a:xfrm>
+          <a:off x="0" y="0"/>
+          <a:ext cx="0" cy="0"/>
+          <a:chOff x="0" y="0"/>
+          <a:chExt cx="0" cy="0"/>
+        </a:xfrm>
+      </p:grpSpPr>
+      <p:sp>
+        <p:nvSpPr>
+          <p:cNvPr id="2" name="Title 1"/>
+          <p:cNvSpPr>
+            <a:spLocks noGrp="1"/>
+          </p:cNvSpPr>
+          <p:nvPr>
+            <p:ph type="title"/>
+          </p:nvPr>
+        </p:nvSpPr>
+        <p:spPr/>
+        <p:txBody>
+          <a:bodyPr/>
+          <a:lstStyle/>
+          <a:p>
+            <a:r>
+              <a:rPr lang="en-US" dirty="0"/>
+              <a:t>Website Interface</a:t>
+            </a:r>
+            <a:endParaRPr lang="en-US" dirty="0"/>
+          </a:p>
+        </p:txBody>
+      </p:sp>
+      <p:pic>
+        <p:nvPicPr>
+          <p:cNvPr id="5" name="Content Placeholder 4" descr="screenshot3.png"/>
+          <p:cNvPicPr>
+            <a:picLocks noGrp="1" noChangeAspect="1"/>
+          </p:cNvPicPr>
+          <p:nvPr>
+            <p:ph idx="1"/>
+          </p:nvPr>
+        </p:nvPicPr>
+        <p:blipFill>
+          <a:blip r:embed="rId2">
+            <a:extLst>
+              <a:ext uri="{28A0092B-C50C-407E-A947-70E740481C1C}">
+                <a14:useLocalDpi xmlns:a14="http://schemas.microsoft.com/office/drawing/2010/main" val="0"/>
+              </a:ext>
+            </a:extLst>
+          </a:blip>
+          <a:srcRect t="-1330" b="-1330"/>
+          <a:stretch>
+            <a:fillRect/>
+          </a:stretch>
+        </p:blipFill>
+        <p:spPr/>
+      </p:pic>
+    </p:spTree>
+    <p:extLst>
+      <p:ext uri="{BB962C8B-B14F-4D97-AF65-F5344CB8AC3E}">
+        <p14:creationId xmlns:p14="http://schemas.microsoft.com/office/powerpoint/2010/main" val="2058024428"/>
+      </p:ext>
+    </p:extLst>
+  </p:cSld>
+  <p:clrMapOvr>
+    <a:masterClrMapping/>
+  </p:clrMapOvr>
+</p:sld>
+</file>
+
+<file path=ppt/slides/slide16.xml><?xml version="1.0" encoding="utf-8"?>
+<p:sld xmlns:a="http://schemas.openxmlformats.org/drawingml/2006/main" xmlns:r="http://schemas.openxmlformats.org/officeDocument/2006/relationships" xmlns:p="http://schemas.openxmlformats.org/presentationml/2006/main">
+  <p:cSld>
+    <p:spTree>
+      <p:nvGrpSpPr>
+        <p:cNvPr id="1" name=""/>
+        <p:cNvGrpSpPr/>
+        <p:nvPr/>
+      </p:nvGrpSpPr>
+      <p:grpSpPr>
+        <a:xfrm>
+          <a:off x="0" y="0"/>
+          <a:ext cx="0" cy="0"/>
+          <a:chOff x="0" y="0"/>
+          <a:chExt cx="0" cy="0"/>
+        </a:xfrm>
+      </p:grpSpPr>
+      <p:sp>
+        <p:nvSpPr>
+          <p:cNvPr id="2" name="Title 1"/>
+          <p:cNvSpPr>
+            <a:spLocks noGrp="1"/>
+          </p:cNvSpPr>
+          <p:nvPr>
+            <p:ph type="title"/>
+          </p:nvPr>
+        </p:nvSpPr>
+        <p:spPr/>
+        <p:txBody>
+          <a:bodyPr>
+            <a:normAutofit fontScale="90000"/>
+          </a:bodyPr>
+          <a:lstStyle/>
+          <a:p>
+            <a:r>
+              <a:rPr lang="en-US" dirty="0"/>
+              <a:t>Database Redesign &amp; Shared Library</a:t>
             </a:r>
             <a:endParaRPr lang="en-US" dirty="0"/>
           </a:p>
@@ -3819,14 +4317,400 @@
           </a:bodyPr>
           <a:lstStyle/>
           <a:p>
-            <a:endParaRPr lang="en-US" dirty="0"/>
+            <a:r>
+              <a:rPr lang="en-US" dirty="0" smtClean="0"/>
+              <a:t>Database Redesign</a:t>
+            </a:r>
+          </a:p>
+          <a:p>
+            <a:pPr lvl="1"/>
+            <a:r>
+              <a:rPr lang="en-US" dirty="0" smtClean="0"/>
+              <a:t>Simplify design, improve performance, complete specification</a:t>
+            </a:r>
+          </a:p>
+          <a:p>
+            <a:r>
+              <a:rPr lang="en-US" dirty="0" smtClean="0"/>
+              <a:t>Shared Library</a:t>
+            </a:r>
+          </a:p>
+          <a:p>
+            <a:pPr lvl="1"/>
+            <a:r>
+              <a:rPr lang="en-US" dirty="0" smtClean="0"/>
+              <a:t>Save redundant code</a:t>
+            </a:r>
+          </a:p>
+          <a:p>
+            <a:pPr lvl="1"/>
+            <a:r>
+              <a:rPr lang="en-US" dirty="0" smtClean="0"/>
+              <a:t>Make logical separation between algorithms and </a:t>
+            </a:r>
+            <a:r>
+              <a:rPr lang="en-US" dirty="0" smtClean="0"/>
+              <a:t>MySQL database interaction</a:t>
+            </a:r>
+          </a:p>
+          <a:p>
+            <a:pPr lvl="1"/>
+            <a:r>
+              <a:rPr lang="en-US" dirty="0"/>
+              <a:t>JConnector for </a:t>
+            </a:r>
+            <a:r>
+              <a:rPr lang="en-US" dirty="0" smtClean="0"/>
+              <a:t>MySQL</a:t>
+            </a:r>
+            <a:endParaRPr lang="en-US" dirty="0" smtClean="0"/>
           </a:p>
         </p:txBody>
       </p:sp>
     </p:spTree>
     <p:extLst>
       <p:ext uri="{BB962C8B-B14F-4D97-AF65-F5344CB8AC3E}">
-        <p14:creationId xmlns:p14="http://schemas.microsoft.com/office/powerpoint/2010/main" val="117092650"/>
+        <p14:creationId xmlns:p14="http://schemas.microsoft.com/office/powerpoint/2010/main" val="255558550"/>
+      </p:ext>
+    </p:extLst>
+  </p:cSld>
+  <p:clrMapOvr>
+    <a:masterClrMapping/>
+  </p:clrMapOvr>
+</p:sld>
+</file>
+
+<file path=ppt/slides/slide17.xml><?xml version="1.0" encoding="utf-8"?>
+<p:sld xmlns:a="http://schemas.openxmlformats.org/drawingml/2006/main" xmlns:r="http://schemas.openxmlformats.org/officeDocument/2006/relationships" xmlns:p="http://schemas.openxmlformats.org/presentationml/2006/main">
+  <p:cSld>
+    <p:spTree>
+      <p:nvGrpSpPr>
+        <p:cNvPr id="1" name=""/>
+        <p:cNvGrpSpPr/>
+        <p:nvPr/>
+      </p:nvGrpSpPr>
+      <p:grpSpPr>
+        <a:xfrm>
+          <a:off x="0" y="0"/>
+          <a:ext cx="0" cy="0"/>
+          <a:chOff x="0" y="0"/>
+          <a:chExt cx="0" cy="0"/>
+        </a:xfrm>
+      </p:grpSpPr>
+      <p:sp>
+        <p:nvSpPr>
+          <p:cNvPr id="2" name="Title 1"/>
+          <p:cNvSpPr>
+            <a:spLocks noGrp="1"/>
+          </p:cNvSpPr>
+          <p:nvPr>
+            <p:ph type="title"/>
+          </p:nvPr>
+        </p:nvSpPr>
+        <p:spPr/>
+        <p:txBody>
+          <a:bodyPr>
+            <a:normAutofit fontScale="90000"/>
+          </a:bodyPr>
+          <a:lstStyle/>
+          <a:p>
+            <a:r>
+              <a:rPr lang="en-US" dirty="0"/>
+              <a:t>Database Redesign &amp; Shared Library</a:t>
+            </a:r>
+            <a:endParaRPr lang="en-US" dirty="0"/>
+          </a:p>
+        </p:txBody>
+      </p:sp>
+      <p:pic>
+        <p:nvPicPr>
+          <p:cNvPr id="6" name="Content Placeholder 5" descr="database_schema.png"/>
+          <p:cNvPicPr>
+            <a:picLocks noGrp="1" noChangeAspect="1"/>
+          </p:cNvPicPr>
+          <p:nvPr>
+            <p:ph idx="1"/>
+          </p:nvPr>
+        </p:nvPicPr>
+        <p:blipFill>
+          <a:blip r:embed="rId2">
+            <a:extLst>
+              <a:ext uri="{28A0092B-C50C-407E-A947-70E740481C1C}">
+                <a14:useLocalDpi xmlns:a14="http://schemas.microsoft.com/office/drawing/2010/main" val="0"/>
+              </a:ext>
+            </a:extLst>
+          </a:blip>
+          <a:srcRect l="-14283" r="-14283"/>
+          <a:stretch>
+            <a:fillRect/>
+          </a:stretch>
+        </p:blipFill>
+        <p:spPr/>
+      </p:pic>
+    </p:spTree>
+    <p:extLst>
+      <p:ext uri="{BB962C8B-B14F-4D97-AF65-F5344CB8AC3E}">
+        <p14:creationId xmlns:p14="http://schemas.microsoft.com/office/powerpoint/2010/main" val="4055501553"/>
+      </p:ext>
+    </p:extLst>
+  </p:cSld>
+  <p:clrMapOvr>
+    <a:masterClrMapping/>
+  </p:clrMapOvr>
+</p:sld>
+</file>
+
+<file path=ppt/slides/slide18.xml><?xml version="1.0" encoding="utf-8"?>
+<p:sld xmlns:a="http://schemas.openxmlformats.org/drawingml/2006/main" xmlns:r="http://schemas.openxmlformats.org/officeDocument/2006/relationships" xmlns:p="http://schemas.openxmlformats.org/presentationml/2006/main">
+  <p:cSld>
+    <p:spTree>
+      <p:nvGrpSpPr>
+        <p:cNvPr id="1" name=""/>
+        <p:cNvGrpSpPr/>
+        <p:nvPr/>
+      </p:nvGrpSpPr>
+      <p:grpSpPr>
+        <a:xfrm>
+          <a:off x="0" y="0"/>
+          <a:ext cx="0" cy="0"/>
+          <a:chOff x="0" y="0"/>
+          <a:chExt cx="0" cy="0"/>
+        </a:xfrm>
+      </p:grpSpPr>
+      <p:sp>
+        <p:nvSpPr>
+          <p:cNvPr id="2" name="Title 1"/>
+          <p:cNvSpPr>
+            <a:spLocks noGrp="1"/>
+          </p:cNvSpPr>
+          <p:nvPr>
+            <p:ph type="title"/>
+          </p:nvPr>
+        </p:nvSpPr>
+        <p:spPr/>
+        <p:txBody>
+          <a:bodyPr>
+            <a:normAutofit/>
+          </a:bodyPr>
+          <a:lstStyle/>
+          <a:p>
+            <a:r>
+              <a:rPr lang="en-US" dirty="0"/>
+              <a:t>RSS &amp; Web Scraping</a:t>
+            </a:r>
+            <a:endParaRPr lang="en-US" dirty="0"/>
+          </a:p>
+        </p:txBody>
+      </p:sp>
+      <p:sp>
+        <p:nvSpPr>
+          <p:cNvPr id="3" name="Content Placeholder 2"/>
+          <p:cNvSpPr>
+            <a:spLocks noGrp="1"/>
+          </p:cNvSpPr>
+          <p:nvPr>
+            <p:ph idx="1"/>
+          </p:nvPr>
+        </p:nvSpPr>
+        <p:spPr/>
+        <p:txBody>
+          <a:bodyPr>
+            <a:normAutofit lnSpcReduction="10000"/>
+          </a:bodyPr>
+          <a:lstStyle/>
+          <a:p>
+            <a:r>
+              <a:rPr lang="en-US" dirty="0" smtClean="0"/>
+              <a:t>ROME Library</a:t>
+            </a:r>
+          </a:p>
+          <a:p>
+            <a:pPr lvl="1"/>
+            <a:r>
+              <a:rPr lang="en-US" dirty="0" smtClean="0"/>
+              <a:t>Download RSS feeds and HTML pages</a:t>
+            </a:r>
+          </a:p>
+          <a:p>
+            <a:r>
+              <a:rPr lang="en-US" dirty="0" smtClean="0"/>
+              <a:t>JDOM</a:t>
+            </a:r>
+          </a:p>
+          <a:p>
+            <a:pPr lvl="1"/>
+            <a:r>
+              <a:rPr lang="en-US" dirty="0" smtClean="0"/>
+              <a:t>XML Parsing of documents in RSS feeds</a:t>
+            </a:r>
+          </a:p>
+          <a:p>
+            <a:r>
+              <a:rPr lang="en-US" dirty="0" smtClean="0"/>
+              <a:t>Process</a:t>
+            </a:r>
+          </a:p>
+          <a:p>
+            <a:pPr lvl="1"/>
+            <a:r>
+              <a:rPr lang="en-US" dirty="0" smtClean="0"/>
+              <a:t>Get </a:t>
+            </a:r>
+            <a:r>
+              <a:rPr lang="en-US" dirty="0" err="1" smtClean="0"/>
+              <a:t>DataMean</a:t>
+            </a:r>
+            <a:r>
+              <a:rPr lang="en-US" dirty="0" smtClean="0"/>
+              <a:t> object to Process</a:t>
+            </a:r>
+          </a:p>
+          <a:p>
+            <a:pPr lvl="2"/>
+            <a:r>
+              <a:rPr lang="en-US" dirty="0" smtClean="0"/>
+              <a:t>NY Times RSS Feed</a:t>
+            </a:r>
+          </a:p>
+          <a:p>
+            <a:pPr lvl="1"/>
+            <a:r>
+              <a:rPr lang="en-US" dirty="0" smtClean="0"/>
+              <a:t>Use ROME to get RSS feed</a:t>
+            </a:r>
+          </a:p>
+          <a:p>
+            <a:pPr lvl="1"/>
+            <a:r>
+              <a:rPr lang="en-US" dirty="0" smtClean="0"/>
+              <a:t>Use JDOM to parse XML</a:t>
+            </a:r>
+          </a:p>
+          <a:p>
+            <a:pPr lvl="1"/>
+            <a:r>
+              <a:rPr lang="en-US" dirty="0" smtClean="0"/>
+              <a:t>Insert data into MySQL as DataStored</a:t>
+            </a:r>
+            <a:endParaRPr lang="en-US" dirty="0" smtClean="0"/>
+          </a:p>
+          <a:p>
+            <a:endParaRPr lang="en-US" dirty="0" smtClean="0"/>
+          </a:p>
+        </p:txBody>
+      </p:sp>
+    </p:spTree>
+    <p:extLst>
+      <p:ext uri="{BB962C8B-B14F-4D97-AF65-F5344CB8AC3E}">
+        <p14:creationId xmlns:p14="http://schemas.microsoft.com/office/powerpoint/2010/main" val="1266386086"/>
+      </p:ext>
+    </p:extLst>
+  </p:cSld>
+  <p:clrMapOvr>
+    <a:masterClrMapping/>
+  </p:clrMapOvr>
+</p:sld>
+</file>
+
+<file path=ppt/slides/slide19.xml><?xml version="1.0" encoding="utf-8"?>
+<p:sld xmlns:a="http://schemas.openxmlformats.org/drawingml/2006/main" xmlns:r="http://schemas.openxmlformats.org/officeDocument/2006/relationships" xmlns:p="http://schemas.openxmlformats.org/presentationml/2006/main">
+  <p:cSld>
+    <p:spTree>
+      <p:nvGrpSpPr>
+        <p:cNvPr id="1" name=""/>
+        <p:cNvGrpSpPr/>
+        <p:nvPr/>
+      </p:nvGrpSpPr>
+      <p:grpSpPr>
+        <a:xfrm>
+          <a:off x="0" y="0"/>
+          <a:ext cx="0" cy="0"/>
+          <a:chOff x="0" y="0"/>
+          <a:chExt cx="0" cy="0"/>
+        </a:xfrm>
+      </p:grpSpPr>
+      <p:sp>
+        <p:nvSpPr>
+          <p:cNvPr id="2" name="Title 1"/>
+          <p:cNvSpPr>
+            <a:spLocks noGrp="1"/>
+          </p:cNvSpPr>
+          <p:nvPr>
+            <p:ph type="title"/>
+          </p:nvPr>
+        </p:nvSpPr>
+        <p:spPr/>
+        <p:txBody>
+          <a:bodyPr>
+            <a:normAutofit/>
+          </a:bodyPr>
+          <a:lstStyle/>
+          <a:p>
+            <a:r>
+              <a:rPr lang="en-US" dirty="0"/>
+              <a:t>RSS &amp; Web Scraping</a:t>
+            </a:r>
+            <a:endParaRPr lang="en-US" dirty="0"/>
+          </a:p>
+        </p:txBody>
+      </p:sp>
+      <p:sp>
+        <p:nvSpPr>
+          <p:cNvPr id="3" name="Content Placeholder 2"/>
+          <p:cNvSpPr>
+            <a:spLocks noGrp="1"/>
+          </p:cNvSpPr>
+          <p:nvPr>
+            <p:ph idx="1"/>
+          </p:nvPr>
+        </p:nvSpPr>
+        <p:spPr/>
+        <p:txBody>
+          <a:bodyPr>
+            <a:normAutofit/>
+          </a:bodyPr>
+          <a:lstStyle/>
+          <a:p>
+            <a:r>
+              <a:rPr lang="en-US" dirty="0" smtClean="0"/>
+              <a:t>Updates</a:t>
+            </a:r>
+          </a:p>
+          <a:p>
+            <a:pPr lvl="1"/>
+            <a:r>
+              <a:rPr lang="en-US" dirty="0" smtClean="0"/>
+              <a:t>No longer multithreaded</a:t>
+            </a:r>
+          </a:p>
+          <a:p>
+            <a:pPr lvl="1"/>
+            <a:r>
+              <a:rPr lang="en-US" dirty="0" smtClean="0"/>
+              <a:t>Refactor of objects into Shared Library</a:t>
+            </a:r>
+          </a:p>
+          <a:p>
+            <a:pPr lvl="1"/>
+            <a:r>
+              <a:rPr lang="en-US" dirty="0" smtClean="0"/>
+              <a:t>DateTime field in DataMeans to determine if RSS posts should be aggregated</a:t>
+            </a:r>
+          </a:p>
+          <a:p>
+            <a:pPr lvl="1"/>
+            <a:r>
+              <a:rPr lang="en-US" dirty="0" smtClean="0"/>
+              <a:t>Combined many RSS parsing objects into single feed parser</a:t>
+            </a:r>
+            <a:endParaRPr lang="en-US" dirty="0" smtClean="0"/>
+          </a:p>
+        </p:txBody>
+      </p:sp>
+    </p:spTree>
+    <p:extLst>
+      <p:ext uri="{BB962C8B-B14F-4D97-AF65-F5344CB8AC3E}">
+        <p14:creationId xmlns:p14="http://schemas.microsoft.com/office/powerpoint/2010/main" val="1495280968"/>
       </p:ext>
     </p:extLst>
   </p:cSld>
@@ -3889,14 +4773,19 @@
         <p:spPr/>
         <p:txBody>
           <a:bodyPr>
-            <a:normAutofit/>
+            <a:normAutofit fontScale="92500" lnSpcReduction="20000"/>
           </a:bodyPr>
           <a:lstStyle/>
           <a:p>
             <a:r>
               <a:rPr lang="en-US" dirty="0" smtClean="0"/>
-              <a:t>Project Description, Scope, &amp; Benefits</a:t>
-            </a:r>
+              <a:t>Project </a:t>
+            </a:r>
+            <a:r>
+              <a:rPr lang="en-US" dirty="0" smtClean="0"/>
+              <a:t>Description &amp; Scope</a:t>
+            </a:r>
+            <a:endParaRPr lang="en-US" dirty="0" smtClean="0"/>
           </a:p>
           <a:p>
             <a:r>
@@ -3907,19 +4796,49 @@
           <a:p>
             <a:r>
               <a:rPr lang="en-US" dirty="0" smtClean="0"/>
-              <a:t>Progress for Milestone </a:t>
-            </a:r>
-            <a:r>
-              <a:rPr lang="en-US" dirty="0" smtClean="0"/>
-              <a:t>3</a:t>
-            </a:r>
-            <a:endParaRPr lang="en-US" dirty="0" smtClean="0"/>
+              <a:t>Progress for Milestone 3</a:t>
+            </a:r>
           </a:p>
           <a:p>
             <a:pPr lvl="1"/>
             <a:r>
               <a:rPr lang="en-US" dirty="0" smtClean="0"/>
-              <a:t>TODO</a:t>
+              <a:t>Cornell Daily Tech Brand</a:t>
+            </a:r>
+          </a:p>
+          <a:p>
+            <a:pPr lvl="1"/>
+            <a:r>
+              <a:rPr lang="en-US" dirty="0" smtClean="0"/>
+              <a:t>Website Interface</a:t>
+            </a:r>
+          </a:p>
+          <a:p>
+            <a:pPr lvl="1"/>
+            <a:r>
+              <a:rPr lang="en-US" dirty="0" smtClean="0"/>
+              <a:t>Database Redesign &amp; Shared Library</a:t>
+            </a:r>
+          </a:p>
+          <a:p>
+            <a:pPr lvl="1"/>
+            <a:r>
+              <a:rPr lang="en-US" dirty="0" smtClean="0"/>
+              <a:t>RSS &amp; Web Scraping</a:t>
+            </a:r>
+          </a:p>
+          <a:p>
+            <a:pPr lvl="1"/>
+            <a:r>
+              <a:rPr lang="en-US" dirty="0" smtClean="0"/>
+              <a:t>Data Fusion Algorithm</a:t>
+            </a:r>
+          </a:p>
+          <a:p>
+            <a:pPr lvl="1"/>
+            <a:r>
+              <a:rPr lang="en-US" dirty="0" smtClean="0"/>
+              <a:t>Drupal Modules</a:t>
             </a:r>
             <a:endParaRPr lang="en-US" dirty="0" smtClean="0"/>
           </a:p>
@@ -3944,6 +4863,960 @@
     <p:extLst>
       <p:ext uri="{BB962C8B-B14F-4D97-AF65-F5344CB8AC3E}">
         <p14:creationId xmlns:p14="http://schemas.microsoft.com/office/powerpoint/2010/main" val="3432605461"/>
+      </p:ext>
+    </p:extLst>
+  </p:cSld>
+  <p:clrMapOvr>
+    <a:masterClrMapping/>
+  </p:clrMapOvr>
+</p:sld>
+</file>
+
+<file path=ppt/slides/slide20.xml><?xml version="1.0" encoding="utf-8"?>
+<p:sld xmlns:a="http://schemas.openxmlformats.org/drawingml/2006/main" xmlns:r="http://schemas.openxmlformats.org/officeDocument/2006/relationships" xmlns:p="http://schemas.openxmlformats.org/presentationml/2006/main">
+  <p:cSld>
+    <p:spTree>
+      <p:nvGrpSpPr>
+        <p:cNvPr id="1" name=""/>
+        <p:cNvGrpSpPr/>
+        <p:nvPr/>
+      </p:nvGrpSpPr>
+      <p:grpSpPr>
+        <a:xfrm>
+          <a:off x="0" y="0"/>
+          <a:ext cx="0" cy="0"/>
+          <a:chOff x="0" y="0"/>
+          <a:chExt cx="0" cy="0"/>
+        </a:xfrm>
+      </p:grpSpPr>
+      <p:sp>
+        <p:nvSpPr>
+          <p:cNvPr id="2" name="Title 1"/>
+          <p:cNvSpPr>
+            <a:spLocks noGrp="1"/>
+          </p:cNvSpPr>
+          <p:nvPr>
+            <p:ph type="title"/>
+          </p:nvPr>
+        </p:nvSpPr>
+        <p:spPr/>
+        <p:txBody>
+          <a:bodyPr>
+            <a:normAutofit/>
+          </a:bodyPr>
+          <a:lstStyle/>
+          <a:p>
+            <a:r>
+              <a:rPr lang="en-US" dirty="0"/>
+              <a:t>Data Fusion Algorithm</a:t>
+            </a:r>
+            <a:endParaRPr lang="en-US" dirty="0"/>
+          </a:p>
+        </p:txBody>
+      </p:sp>
+      <p:sp>
+        <p:nvSpPr>
+          <p:cNvPr id="3" name="Content Placeholder 2"/>
+          <p:cNvSpPr>
+            <a:spLocks noGrp="1"/>
+          </p:cNvSpPr>
+          <p:nvPr>
+            <p:ph idx="1"/>
+          </p:nvPr>
+        </p:nvSpPr>
+        <p:spPr/>
+        <p:txBody>
+          <a:bodyPr>
+            <a:normAutofit/>
+          </a:bodyPr>
+          <a:lstStyle/>
+          <a:p>
+            <a:r>
+              <a:rPr lang="en-US" dirty="0" smtClean="0"/>
+              <a:t>Indexing Process</a:t>
+            </a:r>
+          </a:p>
+          <a:p>
+            <a:pPr lvl="1"/>
+            <a:r>
+              <a:rPr lang="en-US" dirty="0" smtClean="0"/>
+              <a:t>Get DataStored objects yet to be indexed </a:t>
+            </a:r>
+          </a:p>
+          <a:p>
+            <a:pPr lvl="1"/>
+            <a:r>
+              <a:rPr lang="en-US" dirty="0" smtClean="0"/>
+              <a:t>Insert them into the Apache Lucene index</a:t>
+            </a:r>
+          </a:p>
+          <a:p>
+            <a:pPr lvl="1"/>
+            <a:r>
+              <a:rPr lang="en-US" dirty="0" smtClean="0"/>
+              <a:t>Mark the objects as indexed</a:t>
+            </a:r>
+          </a:p>
+          <a:p>
+            <a:r>
+              <a:rPr lang="en-US" dirty="0" smtClean="0"/>
+              <a:t>Data Fusing Process</a:t>
+            </a:r>
+          </a:p>
+          <a:p>
+            <a:pPr lvl="1"/>
+            <a:r>
+              <a:rPr lang="en-US" dirty="0" smtClean="0"/>
+              <a:t>Get article that hasn’t been fused in awhile</a:t>
+            </a:r>
+          </a:p>
+          <a:p>
+            <a:pPr lvl="1"/>
+            <a:r>
+              <a:rPr lang="en-US" dirty="0" smtClean="0"/>
+              <a:t>Use tags on article to search Apache Lucene Index</a:t>
+            </a:r>
+          </a:p>
+          <a:p>
+            <a:pPr lvl="1"/>
+            <a:r>
+              <a:rPr lang="en-US" dirty="0" smtClean="0"/>
+              <a:t>Insert matches as DataFusion objects into system to be approved by editors</a:t>
+            </a:r>
+          </a:p>
+        </p:txBody>
+      </p:sp>
+    </p:spTree>
+    <p:extLst>
+      <p:ext uri="{BB962C8B-B14F-4D97-AF65-F5344CB8AC3E}">
+        <p14:creationId xmlns:p14="http://schemas.microsoft.com/office/powerpoint/2010/main" val="3985863902"/>
+      </p:ext>
+    </p:extLst>
+  </p:cSld>
+  <p:clrMapOvr>
+    <a:masterClrMapping/>
+  </p:clrMapOvr>
+</p:sld>
+</file>
+
+<file path=ppt/slides/slide21.xml><?xml version="1.0" encoding="utf-8"?>
+<p:sld xmlns:a="http://schemas.openxmlformats.org/drawingml/2006/main" xmlns:r="http://schemas.openxmlformats.org/officeDocument/2006/relationships" xmlns:p="http://schemas.openxmlformats.org/presentationml/2006/main">
+  <p:cSld>
+    <p:spTree>
+      <p:nvGrpSpPr>
+        <p:cNvPr id="1" name=""/>
+        <p:cNvGrpSpPr/>
+        <p:nvPr/>
+      </p:nvGrpSpPr>
+      <p:grpSpPr>
+        <a:xfrm>
+          <a:off x="0" y="0"/>
+          <a:ext cx="0" cy="0"/>
+          <a:chOff x="0" y="0"/>
+          <a:chExt cx="0" cy="0"/>
+        </a:xfrm>
+      </p:grpSpPr>
+      <p:sp>
+        <p:nvSpPr>
+          <p:cNvPr id="2" name="Title 1"/>
+          <p:cNvSpPr>
+            <a:spLocks noGrp="1"/>
+          </p:cNvSpPr>
+          <p:nvPr>
+            <p:ph type="title"/>
+          </p:nvPr>
+        </p:nvSpPr>
+        <p:spPr/>
+        <p:txBody>
+          <a:bodyPr>
+            <a:normAutofit/>
+          </a:bodyPr>
+          <a:lstStyle/>
+          <a:p>
+            <a:r>
+              <a:rPr lang="en-US" dirty="0"/>
+              <a:t>Data Fusion Algorithm</a:t>
+            </a:r>
+            <a:endParaRPr lang="en-US" dirty="0"/>
+          </a:p>
+        </p:txBody>
+      </p:sp>
+      <p:sp>
+        <p:nvSpPr>
+          <p:cNvPr id="3" name="Content Placeholder 2"/>
+          <p:cNvSpPr>
+            <a:spLocks noGrp="1"/>
+          </p:cNvSpPr>
+          <p:nvPr>
+            <p:ph idx="1"/>
+          </p:nvPr>
+        </p:nvSpPr>
+        <p:spPr/>
+        <p:txBody>
+          <a:bodyPr>
+            <a:normAutofit fontScale="92500" lnSpcReduction="10000"/>
+          </a:bodyPr>
+          <a:lstStyle/>
+          <a:p>
+            <a:r>
+              <a:rPr lang="en-US" dirty="0" smtClean="0"/>
+              <a:t>Querying Apache Lucene</a:t>
+            </a:r>
+          </a:p>
+          <a:p>
+            <a:pPr lvl="1"/>
+            <a:r>
+              <a:rPr lang="en-US" dirty="0" smtClean="0"/>
+              <a:t>Returns ranked collection of articles</a:t>
+            </a:r>
+          </a:p>
+          <a:p>
+            <a:pPr lvl="1"/>
+            <a:r>
+              <a:rPr lang="en-US" dirty="0" smtClean="0"/>
+              <a:t>Scoring Model</a:t>
+            </a:r>
+          </a:p>
+          <a:p>
+            <a:pPr lvl="2"/>
+            <a:r>
+              <a:rPr lang="en-US" dirty="0" err="1" smtClean="0"/>
+              <a:t>Tf</a:t>
+            </a:r>
+            <a:r>
+              <a:rPr lang="en-US" dirty="0" smtClean="0"/>
+              <a:t>: The more frequent a keyword occurs in an article, the greater the score</a:t>
+            </a:r>
+          </a:p>
+          <a:p>
+            <a:pPr lvl="2"/>
+            <a:r>
+              <a:rPr lang="en-US" dirty="0" err="1" smtClean="0"/>
+              <a:t>Idf</a:t>
+            </a:r>
+            <a:r>
+              <a:rPr lang="en-US" dirty="0" smtClean="0"/>
+              <a:t>: Greater the occurrence of a keyword in different articles, the lower its score- common keywords are less important</a:t>
+            </a:r>
+          </a:p>
+          <a:p>
+            <a:pPr lvl="2"/>
+            <a:r>
+              <a:rPr lang="en-US" dirty="0" smtClean="0"/>
+              <a:t>Multiple Keywords: Articles that match multiple keywords receive a higher score</a:t>
+            </a:r>
+          </a:p>
+          <a:p>
+            <a:pPr lvl="2"/>
+            <a:r>
+              <a:rPr lang="en-US" dirty="0" smtClean="0"/>
+              <a:t>Length Normalization: Keyword match in short article is more important than long article</a:t>
+            </a:r>
+          </a:p>
+          <a:p>
+            <a:pPr lvl="1"/>
+            <a:r>
+              <a:rPr lang="en-US" dirty="0" smtClean="0"/>
+              <a:t>Top 10 matches are returned</a:t>
+            </a:r>
+          </a:p>
+        </p:txBody>
+      </p:sp>
+    </p:spTree>
+    <p:extLst>
+      <p:ext uri="{BB962C8B-B14F-4D97-AF65-F5344CB8AC3E}">
+        <p14:creationId xmlns:p14="http://schemas.microsoft.com/office/powerpoint/2010/main" val="2623317926"/>
+      </p:ext>
+    </p:extLst>
+  </p:cSld>
+  <p:clrMapOvr>
+    <a:masterClrMapping/>
+  </p:clrMapOvr>
+</p:sld>
+</file>
+
+<file path=ppt/slides/slide22.xml><?xml version="1.0" encoding="utf-8"?>
+<p:sld xmlns:a="http://schemas.openxmlformats.org/drawingml/2006/main" xmlns:r="http://schemas.openxmlformats.org/officeDocument/2006/relationships" xmlns:p="http://schemas.openxmlformats.org/presentationml/2006/main">
+  <p:cSld>
+    <p:spTree>
+      <p:nvGrpSpPr>
+        <p:cNvPr id="1" name=""/>
+        <p:cNvGrpSpPr/>
+        <p:nvPr/>
+      </p:nvGrpSpPr>
+      <p:grpSpPr>
+        <a:xfrm>
+          <a:off x="0" y="0"/>
+          <a:ext cx="0" cy="0"/>
+          <a:chOff x="0" y="0"/>
+          <a:chExt cx="0" cy="0"/>
+        </a:xfrm>
+      </p:grpSpPr>
+      <p:sp>
+        <p:nvSpPr>
+          <p:cNvPr id="2" name="Title 1"/>
+          <p:cNvSpPr>
+            <a:spLocks noGrp="1"/>
+          </p:cNvSpPr>
+          <p:nvPr>
+            <p:ph type="title"/>
+          </p:nvPr>
+        </p:nvSpPr>
+        <p:spPr/>
+        <p:txBody>
+          <a:bodyPr>
+            <a:normAutofit/>
+          </a:bodyPr>
+          <a:lstStyle/>
+          <a:p>
+            <a:r>
+              <a:rPr lang="en-US" dirty="0"/>
+              <a:t>Drupal Modules</a:t>
+            </a:r>
+            <a:endParaRPr lang="en-US" dirty="0"/>
+          </a:p>
+        </p:txBody>
+      </p:sp>
+      <p:sp>
+        <p:nvSpPr>
+          <p:cNvPr id="3" name="Content Placeholder 2"/>
+          <p:cNvSpPr>
+            <a:spLocks noGrp="1"/>
+          </p:cNvSpPr>
+          <p:nvPr>
+            <p:ph idx="1"/>
+          </p:nvPr>
+        </p:nvSpPr>
+        <p:spPr/>
+        <p:txBody>
+          <a:bodyPr>
+            <a:normAutofit/>
+          </a:bodyPr>
+          <a:lstStyle/>
+          <a:p>
+            <a:r>
+              <a:rPr lang="en-US" dirty="0" smtClean="0"/>
+              <a:t>Custom tabs to manage Data Fusion</a:t>
+            </a:r>
+          </a:p>
+          <a:p>
+            <a:pPr lvl="1"/>
+            <a:r>
+              <a:rPr lang="en-US" dirty="0" smtClean="0"/>
+              <a:t>Appear on any given article</a:t>
+            </a:r>
+            <a:endParaRPr lang="en-US" dirty="0" smtClean="0"/>
+          </a:p>
+          <a:p>
+            <a:r>
+              <a:rPr lang="en-US" dirty="0" smtClean="0"/>
+              <a:t>Add / Edit DataSources</a:t>
+            </a:r>
+          </a:p>
+          <a:p>
+            <a:pPr lvl="1"/>
+            <a:r>
+              <a:rPr lang="en-US" dirty="0" smtClean="0"/>
+              <a:t>Add a source like The New York Times</a:t>
+            </a:r>
+            <a:endParaRPr lang="en-US" dirty="0" smtClean="0"/>
+          </a:p>
+          <a:p>
+            <a:r>
+              <a:rPr lang="en-US" dirty="0" smtClean="0"/>
+              <a:t>Add / Edit DataMeans</a:t>
+            </a:r>
+          </a:p>
+          <a:p>
+            <a:pPr lvl="1"/>
+            <a:r>
+              <a:rPr lang="en-US" dirty="0" smtClean="0"/>
+              <a:t>Add a means like The New York Times RSS Feed</a:t>
+            </a:r>
+          </a:p>
+          <a:p>
+            <a:r>
+              <a:rPr lang="en-US" dirty="0" smtClean="0"/>
+              <a:t>Add / Edit / Approve DataFusion</a:t>
+            </a:r>
+          </a:p>
+          <a:p>
+            <a:pPr lvl="1"/>
+            <a:r>
+              <a:rPr lang="en-US" dirty="0" smtClean="0"/>
+              <a:t>Approve a New York Times article to be listed as a similar article for the current article shown</a:t>
+            </a:r>
+            <a:endParaRPr lang="en-US" dirty="0" smtClean="0"/>
+          </a:p>
+          <a:p>
+            <a:endParaRPr lang="en-US" dirty="0" smtClean="0"/>
+          </a:p>
+        </p:txBody>
+      </p:sp>
+    </p:spTree>
+    <p:extLst>
+      <p:ext uri="{BB962C8B-B14F-4D97-AF65-F5344CB8AC3E}">
+        <p14:creationId xmlns:p14="http://schemas.microsoft.com/office/powerpoint/2010/main" val="3421959016"/>
+      </p:ext>
+    </p:extLst>
+  </p:cSld>
+  <p:clrMapOvr>
+    <a:masterClrMapping/>
+  </p:clrMapOvr>
+</p:sld>
+</file>
+
+<file path=ppt/slides/slide23.xml><?xml version="1.0" encoding="utf-8"?>
+<p:sld xmlns:a="http://schemas.openxmlformats.org/drawingml/2006/main" xmlns:r="http://schemas.openxmlformats.org/officeDocument/2006/relationships" xmlns:p="http://schemas.openxmlformats.org/presentationml/2006/main">
+  <p:cSld>
+    <p:spTree>
+      <p:nvGrpSpPr>
+        <p:cNvPr id="1" name=""/>
+        <p:cNvGrpSpPr/>
+        <p:nvPr/>
+      </p:nvGrpSpPr>
+      <p:grpSpPr>
+        <a:xfrm>
+          <a:off x="0" y="0"/>
+          <a:ext cx="0" cy="0"/>
+          <a:chOff x="0" y="0"/>
+          <a:chExt cx="0" cy="0"/>
+        </a:xfrm>
+      </p:grpSpPr>
+      <p:sp>
+        <p:nvSpPr>
+          <p:cNvPr id="2" name="Title 1"/>
+          <p:cNvSpPr>
+            <a:spLocks noGrp="1"/>
+          </p:cNvSpPr>
+          <p:nvPr>
+            <p:ph type="title"/>
+          </p:nvPr>
+        </p:nvSpPr>
+        <p:spPr/>
+        <p:txBody>
+          <a:bodyPr>
+            <a:normAutofit/>
+          </a:bodyPr>
+          <a:lstStyle/>
+          <a:p>
+            <a:r>
+              <a:rPr lang="en-US" dirty="0"/>
+              <a:t>Drupal Modules</a:t>
+            </a:r>
+            <a:endParaRPr lang="en-US" dirty="0"/>
+          </a:p>
+        </p:txBody>
+      </p:sp>
+      <p:pic>
+        <p:nvPicPr>
+          <p:cNvPr id="4" name="Content Placeholder 3" descr="twoTabs.png"/>
+          <p:cNvPicPr>
+            <a:picLocks noGrp="1" noChangeAspect="1"/>
+          </p:cNvPicPr>
+          <p:nvPr>
+            <p:ph idx="1"/>
+          </p:nvPr>
+        </p:nvPicPr>
+        <p:blipFill>
+          <a:blip r:embed="rId2">
+            <a:extLst>
+              <a:ext uri="{28A0092B-C50C-407E-A947-70E740481C1C}">
+                <a14:useLocalDpi xmlns:a14="http://schemas.microsoft.com/office/drawing/2010/main" val="0"/>
+              </a:ext>
+            </a:extLst>
+          </a:blip>
+          <a:srcRect t="-6910" b="-6910"/>
+          <a:stretch>
+            <a:fillRect/>
+          </a:stretch>
+        </p:blipFill>
+        <p:spPr/>
+      </p:pic>
+    </p:spTree>
+    <p:extLst>
+      <p:ext uri="{BB962C8B-B14F-4D97-AF65-F5344CB8AC3E}">
+        <p14:creationId xmlns:p14="http://schemas.microsoft.com/office/powerpoint/2010/main" val="1440228306"/>
+      </p:ext>
+    </p:extLst>
+  </p:cSld>
+  <p:clrMapOvr>
+    <a:masterClrMapping/>
+  </p:clrMapOvr>
+</p:sld>
+</file>
+
+<file path=ppt/slides/slide24.xml><?xml version="1.0" encoding="utf-8"?>
+<p:sld xmlns:a="http://schemas.openxmlformats.org/drawingml/2006/main" xmlns:r="http://schemas.openxmlformats.org/officeDocument/2006/relationships" xmlns:p="http://schemas.openxmlformats.org/presentationml/2006/main">
+  <p:cSld>
+    <p:spTree>
+      <p:nvGrpSpPr>
+        <p:cNvPr id="1" name=""/>
+        <p:cNvGrpSpPr/>
+        <p:nvPr/>
+      </p:nvGrpSpPr>
+      <p:grpSpPr>
+        <a:xfrm>
+          <a:off x="0" y="0"/>
+          <a:ext cx="0" cy="0"/>
+          <a:chOff x="0" y="0"/>
+          <a:chExt cx="0" cy="0"/>
+        </a:xfrm>
+      </p:grpSpPr>
+      <p:sp>
+        <p:nvSpPr>
+          <p:cNvPr id="2" name="Title 1"/>
+          <p:cNvSpPr>
+            <a:spLocks noGrp="1"/>
+          </p:cNvSpPr>
+          <p:nvPr>
+            <p:ph type="title"/>
+          </p:nvPr>
+        </p:nvSpPr>
+        <p:spPr/>
+        <p:txBody>
+          <a:bodyPr>
+            <a:normAutofit/>
+          </a:bodyPr>
+          <a:lstStyle/>
+          <a:p>
+            <a:r>
+              <a:rPr lang="en-US" dirty="0"/>
+              <a:t>Drupal Modules</a:t>
+            </a:r>
+            <a:endParaRPr lang="en-US" dirty="0"/>
+          </a:p>
+        </p:txBody>
+      </p:sp>
+      <p:pic>
+        <p:nvPicPr>
+          <p:cNvPr id="5" name="Content Placeholder 4" descr="addDataSource.png"/>
+          <p:cNvPicPr>
+            <a:picLocks noGrp="1" noChangeAspect="1"/>
+          </p:cNvPicPr>
+          <p:nvPr>
+            <p:ph idx="1"/>
+          </p:nvPr>
+        </p:nvPicPr>
+        <p:blipFill>
+          <a:blip r:embed="rId2">
+            <a:extLst>
+              <a:ext uri="{28A0092B-C50C-407E-A947-70E740481C1C}">
+                <a14:useLocalDpi xmlns:a14="http://schemas.microsoft.com/office/drawing/2010/main" val="0"/>
+              </a:ext>
+            </a:extLst>
+          </a:blip>
+          <a:srcRect t="-7116" b="-7116"/>
+          <a:stretch>
+            <a:fillRect/>
+          </a:stretch>
+        </p:blipFill>
+        <p:spPr/>
+      </p:pic>
+    </p:spTree>
+    <p:extLst>
+      <p:ext uri="{BB962C8B-B14F-4D97-AF65-F5344CB8AC3E}">
+        <p14:creationId xmlns:p14="http://schemas.microsoft.com/office/powerpoint/2010/main" val="3308298834"/>
+      </p:ext>
+    </p:extLst>
+  </p:cSld>
+  <p:clrMapOvr>
+    <a:masterClrMapping/>
+  </p:clrMapOvr>
+</p:sld>
+</file>
+
+<file path=ppt/slides/slide25.xml><?xml version="1.0" encoding="utf-8"?>
+<p:sld xmlns:a="http://schemas.openxmlformats.org/drawingml/2006/main" xmlns:r="http://schemas.openxmlformats.org/officeDocument/2006/relationships" xmlns:p="http://schemas.openxmlformats.org/presentationml/2006/main">
+  <p:cSld>
+    <p:spTree>
+      <p:nvGrpSpPr>
+        <p:cNvPr id="1" name=""/>
+        <p:cNvGrpSpPr/>
+        <p:nvPr/>
+      </p:nvGrpSpPr>
+      <p:grpSpPr>
+        <a:xfrm>
+          <a:off x="0" y="0"/>
+          <a:ext cx="0" cy="0"/>
+          <a:chOff x="0" y="0"/>
+          <a:chExt cx="0" cy="0"/>
+        </a:xfrm>
+      </p:grpSpPr>
+      <p:sp>
+        <p:nvSpPr>
+          <p:cNvPr id="2" name="Title 1"/>
+          <p:cNvSpPr>
+            <a:spLocks noGrp="1"/>
+          </p:cNvSpPr>
+          <p:nvPr>
+            <p:ph type="title"/>
+          </p:nvPr>
+        </p:nvSpPr>
+        <p:spPr/>
+        <p:txBody>
+          <a:bodyPr>
+            <a:normAutofit/>
+          </a:bodyPr>
+          <a:lstStyle/>
+          <a:p>
+            <a:r>
+              <a:rPr lang="en-US" dirty="0"/>
+              <a:t>Drupal Modules</a:t>
+            </a:r>
+            <a:endParaRPr lang="en-US" dirty="0"/>
+          </a:p>
+        </p:txBody>
+      </p:sp>
+      <p:pic>
+        <p:nvPicPr>
+          <p:cNvPr id="4" name="Content Placeholder 3" descr="addDataMeans.png"/>
+          <p:cNvPicPr>
+            <a:picLocks noGrp="1" noChangeAspect="1"/>
+          </p:cNvPicPr>
+          <p:nvPr>
+            <p:ph idx="1"/>
+          </p:nvPr>
+        </p:nvPicPr>
+        <p:blipFill>
+          <a:blip r:embed="rId2">
+            <a:extLst>
+              <a:ext uri="{28A0092B-C50C-407E-A947-70E740481C1C}">
+                <a14:useLocalDpi xmlns:a14="http://schemas.microsoft.com/office/drawing/2010/main" val="0"/>
+              </a:ext>
+            </a:extLst>
+          </a:blip>
+          <a:srcRect t="-7320" b="-7320"/>
+          <a:stretch>
+            <a:fillRect/>
+          </a:stretch>
+        </p:blipFill>
+        <p:spPr/>
+      </p:pic>
+    </p:spTree>
+    <p:extLst>
+      <p:ext uri="{BB962C8B-B14F-4D97-AF65-F5344CB8AC3E}">
+        <p14:creationId xmlns:p14="http://schemas.microsoft.com/office/powerpoint/2010/main" val="3074086447"/>
+      </p:ext>
+    </p:extLst>
+  </p:cSld>
+  <p:clrMapOvr>
+    <a:masterClrMapping/>
+  </p:clrMapOvr>
+</p:sld>
+</file>
+
+<file path=ppt/slides/slide26.xml><?xml version="1.0" encoding="utf-8"?>
+<p:sld xmlns:a="http://schemas.openxmlformats.org/drawingml/2006/main" xmlns:r="http://schemas.openxmlformats.org/officeDocument/2006/relationships" xmlns:p="http://schemas.openxmlformats.org/presentationml/2006/main">
+  <p:cSld>
+    <p:spTree>
+      <p:nvGrpSpPr>
+        <p:cNvPr id="1" name=""/>
+        <p:cNvGrpSpPr/>
+        <p:nvPr/>
+      </p:nvGrpSpPr>
+      <p:grpSpPr>
+        <a:xfrm>
+          <a:off x="0" y="0"/>
+          <a:ext cx="0" cy="0"/>
+          <a:chOff x="0" y="0"/>
+          <a:chExt cx="0" cy="0"/>
+        </a:xfrm>
+      </p:grpSpPr>
+      <p:sp>
+        <p:nvSpPr>
+          <p:cNvPr id="2" name="Title 1"/>
+          <p:cNvSpPr>
+            <a:spLocks noGrp="1"/>
+          </p:cNvSpPr>
+          <p:nvPr>
+            <p:ph type="title"/>
+          </p:nvPr>
+        </p:nvSpPr>
+        <p:spPr/>
+        <p:txBody>
+          <a:bodyPr>
+            <a:normAutofit/>
+          </a:bodyPr>
+          <a:lstStyle/>
+          <a:p>
+            <a:r>
+              <a:rPr lang="en-US" dirty="0"/>
+              <a:t>Drupal Modules</a:t>
+            </a:r>
+            <a:endParaRPr lang="en-US" dirty="0"/>
+          </a:p>
+        </p:txBody>
+      </p:sp>
+      <p:pic>
+        <p:nvPicPr>
+          <p:cNvPr id="5" name="Content Placeholder 4" descr="dataFusionTab.png"/>
+          <p:cNvPicPr>
+            <a:picLocks noGrp="1" noChangeAspect="1"/>
+          </p:cNvPicPr>
+          <p:nvPr>
+            <p:ph idx="1"/>
+          </p:nvPr>
+        </p:nvPicPr>
+        <p:blipFill>
+          <a:blip r:embed="rId2">
+            <a:extLst>
+              <a:ext uri="{28A0092B-C50C-407E-A947-70E740481C1C}">
+                <a14:useLocalDpi xmlns:a14="http://schemas.microsoft.com/office/drawing/2010/main" val="0"/>
+              </a:ext>
+            </a:extLst>
+          </a:blip>
+          <a:srcRect t="-7486" b="-7486"/>
+          <a:stretch>
+            <a:fillRect/>
+          </a:stretch>
+        </p:blipFill>
+        <p:spPr/>
+      </p:pic>
+    </p:spTree>
+    <p:extLst>
+      <p:ext uri="{BB962C8B-B14F-4D97-AF65-F5344CB8AC3E}">
+        <p14:creationId xmlns:p14="http://schemas.microsoft.com/office/powerpoint/2010/main" val="3672954403"/>
+      </p:ext>
+    </p:extLst>
+  </p:cSld>
+  <p:clrMapOvr>
+    <a:masterClrMapping/>
+  </p:clrMapOvr>
+</p:sld>
+</file>
+
+<file path=ppt/slides/slide27.xml><?xml version="1.0" encoding="utf-8"?>
+<p:sld xmlns:a="http://schemas.openxmlformats.org/drawingml/2006/main" xmlns:r="http://schemas.openxmlformats.org/officeDocument/2006/relationships" xmlns:p="http://schemas.openxmlformats.org/presentationml/2006/main">
+  <p:cSld>
+    <p:spTree>
+      <p:nvGrpSpPr>
+        <p:cNvPr id="1" name=""/>
+        <p:cNvGrpSpPr/>
+        <p:nvPr/>
+      </p:nvGrpSpPr>
+      <p:grpSpPr>
+        <a:xfrm>
+          <a:off x="0" y="0"/>
+          <a:ext cx="0" cy="0"/>
+          <a:chOff x="0" y="0"/>
+          <a:chExt cx="0" cy="0"/>
+        </a:xfrm>
+      </p:grpSpPr>
+      <p:sp>
+        <p:nvSpPr>
+          <p:cNvPr id="2" name="Title 1"/>
+          <p:cNvSpPr>
+            <a:spLocks noGrp="1"/>
+          </p:cNvSpPr>
+          <p:nvPr>
+            <p:ph type="title"/>
+          </p:nvPr>
+        </p:nvSpPr>
+        <p:spPr/>
+        <p:txBody>
+          <a:bodyPr>
+            <a:normAutofit/>
+          </a:bodyPr>
+          <a:lstStyle/>
+          <a:p>
+            <a:r>
+              <a:rPr lang="en-US" dirty="0"/>
+              <a:t>Drupal Modules</a:t>
+            </a:r>
+            <a:endParaRPr lang="en-US" dirty="0"/>
+          </a:p>
+        </p:txBody>
+      </p:sp>
+      <p:pic>
+        <p:nvPicPr>
+          <p:cNvPr id="4" name="Content Placeholder 3" descr="dataSourceTableTab.png"/>
+          <p:cNvPicPr>
+            <a:picLocks noGrp="1" noChangeAspect="1"/>
+          </p:cNvPicPr>
+          <p:nvPr>
+            <p:ph idx="1"/>
+          </p:nvPr>
+        </p:nvPicPr>
+        <p:blipFill>
+          <a:blip r:embed="rId2">
+            <a:extLst>
+              <a:ext uri="{28A0092B-C50C-407E-A947-70E740481C1C}">
+                <a14:useLocalDpi xmlns:a14="http://schemas.microsoft.com/office/drawing/2010/main" val="0"/>
+              </a:ext>
+            </a:extLst>
+          </a:blip>
+          <a:srcRect t="-6952" b="-6952"/>
+          <a:stretch>
+            <a:fillRect/>
+          </a:stretch>
+        </p:blipFill>
+        <p:spPr/>
+      </p:pic>
+    </p:spTree>
+    <p:extLst>
+      <p:ext uri="{BB962C8B-B14F-4D97-AF65-F5344CB8AC3E}">
+        <p14:creationId xmlns:p14="http://schemas.microsoft.com/office/powerpoint/2010/main" val="56238783"/>
+      </p:ext>
+    </p:extLst>
+  </p:cSld>
+  <p:clrMapOvr>
+    <a:masterClrMapping/>
+  </p:clrMapOvr>
+</p:sld>
+</file>
+
+<file path=ppt/slides/slide28.xml><?xml version="1.0" encoding="utf-8"?>
+<p:sld xmlns:a="http://schemas.openxmlformats.org/drawingml/2006/main" xmlns:r="http://schemas.openxmlformats.org/officeDocument/2006/relationships" xmlns:p="http://schemas.openxmlformats.org/presentationml/2006/main">
+  <p:cSld>
+    <p:spTree>
+      <p:nvGrpSpPr>
+        <p:cNvPr id="1" name=""/>
+        <p:cNvGrpSpPr/>
+        <p:nvPr/>
+      </p:nvGrpSpPr>
+      <p:grpSpPr>
+        <a:xfrm>
+          <a:off x="0" y="0"/>
+          <a:ext cx="0" cy="0"/>
+          <a:chOff x="0" y="0"/>
+          <a:chExt cx="0" cy="0"/>
+        </a:xfrm>
+      </p:grpSpPr>
+      <p:sp>
+        <p:nvSpPr>
+          <p:cNvPr id="2" name="Title 1"/>
+          <p:cNvSpPr>
+            <a:spLocks noGrp="1"/>
+          </p:cNvSpPr>
+          <p:nvPr>
+            <p:ph type="title"/>
+          </p:nvPr>
+        </p:nvSpPr>
+        <p:spPr/>
+        <p:txBody>
+          <a:bodyPr>
+            <a:normAutofit/>
+          </a:bodyPr>
+          <a:lstStyle/>
+          <a:p>
+            <a:r>
+              <a:rPr lang="en-US" dirty="0"/>
+              <a:t>Drupal Modules</a:t>
+            </a:r>
+            <a:endParaRPr lang="en-US" dirty="0"/>
+          </a:p>
+        </p:txBody>
+      </p:sp>
+      <p:pic>
+        <p:nvPicPr>
+          <p:cNvPr id="5" name="Content Placeholder 4" descr="dataMeansTableTab.png"/>
+          <p:cNvPicPr>
+            <a:picLocks noGrp="1" noChangeAspect="1"/>
+          </p:cNvPicPr>
+          <p:nvPr>
+            <p:ph idx="1"/>
+          </p:nvPr>
+        </p:nvPicPr>
+        <p:blipFill>
+          <a:blip r:embed="rId2">
+            <a:extLst>
+              <a:ext uri="{28A0092B-C50C-407E-A947-70E740481C1C}">
+                <a14:useLocalDpi xmlns:a14="http://schemas.microsoft.com/office/drawing/2010/main" val="0"/>
+              </a:ext>
+            </a:extLst>
+          </a:blip>
+          <a:srcRect t="-7158" b="-7158"/>
+          <a:stretch>
+            <a:fillRect/>
+          </a:stretch>
+        </p:blipFill>
+        <p:spPr/>
+      </p:pic>
+    </p:spTree>
+    <p:extLst>
+      <p:ext uri="{BB962C8B-B14F-4D97-AF65-F5344CB8AC3E}">
+        <p14:creationId xmlns:p14="http://schemas.microsoft.com/office/powerpoint/2010/main" val="2736581952"/>
+      </p:ext>
+    </p:extLst>
+  </p:cSld>
+  <p:clrMapOvr>
+    <a:masterClrMapping/>
+  </p:clrMapOvr>
+</p:sld>
+</file>
+
+<file path=ppt/slides/slide29.xml><?xml version="1.0" encoding="utf-8"?>
+<p:sld xmlns:a="http://schemas.openxmlformats.org/drawingml/2006/main" xmlns:r="http://schemas.openxmlformats.org/officeDocument/2006/relationships" xmlns:p="http://schemas.openxmlformats.org/presentationml/2006/main">
+  <p:cSld>
+    <p:spTree>
+      <p:nvGrpSpPr>
+        <p:cNvPr id="1" name=""/>
+        <p:cNvGrpSpPr/>
+        <p:nvPr/>
+      </p:nvGrpSpPr>
+      <p:grpSpPr>
+        <a:xfrm>
+          <a:off x="0" y="0"/>
+          <a:ext cx="0" cy="0"/>
+          <a:chOff x="0" y="0"/>
+          <a:chExt cx="0" cy="0"/>
+        </a:xfrm>
+      </p:grpSpPr>
+      <p:sp>
+        <p:nvSpPr>
+          <p:cNvPr id="2" name="Title 1"/>
+          <p:cNvSpPr>
+            <a:spLocks noGrp="1"/>
+          </p:cNvSpPr>
+          <p:nvPr>
+            <p:ph type="title"/>
+          </p:nvPr>
+        </p:nvSpPr>
+        <p:spPr/>
+        <p:txBody>
+          <a:bodyPr>
+            <a:normAutofit/>
+          </a:bodyPr>
+          <a:lstStyle/>
+          <a:p>
+            <a:r>
+              <a:rPr lang="en-US" dirty="0"/>
+              <a:t>Drupal Modules</a:t>
+            </a:r>
+            <a:endParaRPr lang="en-US" dirty="0"/>
+          </a:p>
+        </p:txBody>
+      </p:sp>
+      <p:pic>
+        <p:nvPicPr>
+          <p:cNvPr id="4" name="Content Placeholder 3" descr="config.png"/>
+          <p:cNvPicPr>
+            <a:picLocks noGrp="1" noChangeAspect="1"/>
+          </p:cNvPicPr>
+          <p:nvPr>
+            <p:ph idx="1"/>
+          </p:nvPr>
+        </p:nvPicPr>
+        <p:blipFill>
+          <a:blip r:embed="rId2">
+            <a:extLst>
+              <a:ext uri="{28A0092B-C50C-407E-A947-70E740481C1C}">
+                <a14:useLocalDpi xmlns:a14="http://schemas.microsoft.com/office/drawing/2010/main" val="0"/>
+              </a:ext>
+            </a:extLst>
+          </a:blip>
+          <a:srcRect t="-2999" b="-2999"/>
+          <a:stretch>
+            <a:fillRect/>
+          </a:stretch>
+        </p:blipFill>
+        <p:spPr/>
+      </p:pic>
+    </p:spTree>
+    <p:extLst>
+      <p:ext uri="{BB962C8B-B14F-4D97-AF65-F5344CB8AC3E}">
+        <p14:creationId xmlns:p14="http://schemas.microsoft.com/office/powerpoint/2010/main" val="3517527329"/>
       </p:ext>
     </p:extLst>
   </p:cSld>
@@ -4037,6 +5910,950 @@
     <p:extLst>
       <p:ext uri="{BB962C8B-B14F-4D97-AF65-F5344CB8AC3E}">
         <p14:creationId xmlns:p14="http://schemas.microsoft.com/office/powerpoint/2010/main" val="2308776300"/>
+      </p:ext>
+    </p:extLst>
+  </p:cSld>
+  <p:clrMapOvr>
+    <a:masterClrMapping/>
+  </p:clrMapOvr>
+</p:sld>
+</file>
+
+<file path=ppt/slides/slide30.xml><?xml version="1.0" encoding="utf-8"?>
+<p:sld xmlns:a="http://schemas.openxmlformats.org/drawingml/2006/main" xmlns:r="http://schemas.openxmlformats.org/officeDocument/2006/relationships" xmlns:p="http://schemas.openxmlformats.org/presentationml/2006/main">
+  <p:cSld>
+    <p:spTree>
+      <p:nvGrpSpPr>
+        <p:cNvPr id="1" name=""/>
+        <p:cNvGrpSpPr/>
+        <p:nvPr/>
+      </p:nvGrpSpPr>
+      <p:grpSpPr>
+        <a:xfrm>
+          <a:off x="0" y="0"/>
+          <a:ext cx="0" cy="0"/>
+          <a:chOff x="0" y="0"/>
+          <a:chExt cx="0" cy="0"/>
+        </a:xfrm>
+      </p:grpSpPr>
+      <p:sp>
+        <p:nvSpPr>
+          <p:cNvPr id="2" name="Title 1"/>
+          <p:cNvSpPr>
+            <a:spLocks noGrp="1"/>
+          </p:cNvSpPr>
+          <p:nvPr>
+            <p:ph type="title"/>
+          </p:nvPr>
+        </p:nvSpPr>
+        <p:spPr/>
+        <p:txBody>
+          <a:bodyPr>
+            <a:normAutofit/>
+          </a:bodyPr>
+          <a:lstStyle/>
+          <a:p>
+            <a:r>
+              <a:rPr lang="en-US" dirty="0"/>
+              <a:t>Drupal Modules</a:t>
+            </a:r>
+            <a:endParaRPr lang="en-US" dirty="0"/>
+          </a:p>
+        </p:txBody>
+      </p:sp>
+      <p:pic>
+        <p:nvPicPr>
+          <p:cNvPr id="5" name="Content Placeholder 4" descr="configUI.png"/>
+          <p:cNvPicPr>
+            <a:picLocks noGrp="1" noChangeAspect="1"/>
+          </p:cNvPicPr>
+          <p:nvPr>
+            <p:ph idx="1"/>
+          </p:nvPr>
+        </p:nvPicPr>
+        <p:blipFill>
+          <a:blip r:embed="rId2">
+            <a:extLst>
+              <a:ext uri="{28A0092B-C50C-407E-A947-70E740481C1C}">
+                <a14:useLocalDpi xmlns:a14="http://schemas.microsoft.com/office/drawing/2010/main" val="0"/>
+              </a:ext>
+            </a:extLst>
+          </a:blip>
+          <a:srcRect t="-528" b="-528"/>
+          <a:stretch>
+            <a:fillRect/>
+          </a:stretch>
+        </p:blipFill>
+        <p:spPr/>
+      </p:pic>
+    </p:spTree>
+    <p:extLst>
+      <p:ext uri="{BB962C8B-B14F-4D97-AF65-F5344CB8AC3E}">
+        <p14:creationId xmlns:p14="http://schemas.microsoft.com/office/powerpoint/2010/main" val="1916446622"/>
+      </p:ext>
+    </p:extLst>
+  </p:cSld>
+  <p:clrMapOvr>
+    <a:masterClrMapping/>
+  </p:clrMapOvr>
+</p:sld>
+</file>
+
+<file path=ppt/slides/slide31.xml><?xml version="1.0" encoding="utf-8"?>
+<p:sld xmlns:a="http://schemas.openxmlformats.org/drawingml/2006/main" xmlns:r="http://schemas.openxmlformats.org/officeDocument/2006/relationships" xmlns:p="http://schemas.openxmlformats.org/presentationml/2006/main">
+  <p:cSld>
+    <p:spTree>
+      <p:nvGrpSpPr>
+        <p:cNvPr id="1" name=""/>
+        <p:cNvGrpSpPr/>
+        <p:nvPr/>
+      </p:nvGrpSpPr>
+      <p:grpSpPr>
+        <a:xfrm>
+          <a:off x="0" y="0"/>
+          <a:ext cx="0" cy="0"/>
+          <a:chOff x="0" y="0"/>
+          <a:chExt cx="0" cy="0"/>
+        </a:xfrm>
+      </p:grpSpPr>
+      <p:sp>
+        <p:nvSpPr>
+          <p:cNvPr id="2" name="Title 1"/>
+          <p:cNvSpPr>
+            <a:spLocks noGrp="1"/>
+          </p:cNvSpPr>
+          <p:nvPr>
+            <p:ph type="title"/>
+          </p:nvPr>
+        </p:nvSpPr>
+        <p:spPr/>
+        <p:txBody>
+          <a:bodyPr>
+            <a:normAutofit/>
+          </a:bodyPr>
+          <a:lstStyle/>
+          <a:p>
+            <a:r>
+              <a:rPr lang="en-US" dirty="0" smtClean="0"/>
+              <a:t>Progress Summary</a:t>
+            </a:r>
+            <a:endParaRPr lang="en-US" dirty="0"/>
+          </a:p>
+        </p:txBody>
+      </p:sp>
+      <p:sp>
+        <p:nvSpPr>
+          <p:cNvPr id="3" name="Content Placeholder 2"/>
+          <p:cNvSpPr>
+            <a:spLocks noGrp="1"/>
+          </p:cNvSpPr>
+          <p:nvPr>
+            <p:ph idx="1"/>
+          </p:nvPr>
+        </p:nvSpPr>
+        <p:spPr/>
+        <p:txBody>
+          <a:bodyPr/>
+          <a:lstStyle/>
+          <a:p>
+            <a:pPr lvl="1"/>
+            <a:r>
+              <a:rPr lang="en-US" dirty="0"/>
+              <a:t>Cornell Daily Tech Brand</a:t>
+            </a:r>
+          </a:p>
+          <a:p>
+            <a:pPr lvl="1"/>
+            <a:r>
+              <a:rPr lang="en-US" dirty="0"/>
+              <a:t>Website Interface</a:t>
+            </a:r>
+          </a:p>
+          <a:p>
+            <a:pPr lvl="1"/>
+            <a:r>
+              <a:rPr lang="en-US" dirty="0"/>
+              <a:t>Database Redesign &amp; Shared Library</a:t>
+            </a:r>
+          </a:p>
+          <a:p>
+            <a:pPr lvl="1"/>
+            <a:r>
+              <a:rPr lang="en-US" dirty="0"/>
+              <a:t>RSS &amp; Web Scraping</a:t>
+            </a:r>
+          </a:p>
+          <a:p>
+            <a:pPr lvl="1"/>
+            <a:r>
+              <a:rPr lang="en-US" dirty="0"/>
+              <a:t>Data Fusion Algorithm</a:t>
+            </a:r>
+          </a:p>
+          <a:p>
+            <a:pPr lvl="1"/>
+            <a:r>
+              <a:rPr lang="en-US" dirty="0"/>
+              <a:t>Drupal Modules</a:t>
+            </a:r>
+          </a:p>
+        </p:txBody>
+      </p:sp>
+    </p:spTree>
+    <p:extLst>
+      <p:ext uri="{BB962C8B-B14F-4D97-AF65-F5344CB8AC3E}">
+        <p14:creationId xmlns:p14="http://schemas.microsoft.com/office/powerpoint/2010/main" val="3986416400"/>
+      </p:ext>
+    </p:extLst>
+  </p:cSld>
+  <p:clrMapOvr>
+    <a:masterClrMapping/>
+  </p:clrMapOvr>
+</p:sld>
+</file>
+
+<file path=ppt/slides/slide32.xml><?xml version="1.0" encoding="utf-8"?>
+<p:sld xmlns:a="http://schemas.openxmlformats.org/drawingml/2006/main" xmlns:r="http://schemas.openxmlformats.org/officeDocument/2006/relationships" xmlns:p="http://schemas.openxmlformats.org/presentationml/2006/main">
+  <p:cSld>
+    <p:spTree>
+      <p:nvGrpSpPr>
+        <p:cNvPr id="1" name=""/>
+        <p:cNvGrpSpPr/>
+        <p:nvPr/>
+      </p:nvGrpSpPr>
+      <p:grpSpPr>
+        <a:xfrm>
+          <a:off x="0" y="0"/>
+          <a:ext cx="0" cy="0"/>
+          <a:chOff x="0" y="0"/>
+          <a:chExt cx="0" cy="0"/>
+        </a:xfrm>
+      </p:grpSpPr>
+      <p:sp>
+        <p:nvSpPr>
+          <p:cNvPr id="2" name="Title 1"/>
+          <p:cNvSpPr>
+            <a:spLocks noGrp="1"/>
+          </p:cNvSpPr>
+          <p:nvPr>
+            <p:ph type="title"/>
+          </p:nvPr>
+        </p:nvSpPr>
+        <p:spPr/>
+        <p:txBody>
+          <a:bodyPr/>
+          <a:lstStyle/>
+          <a:p>
+            <a:r>
+              <a:rPr lang="en-US" dirty="0" smtClean="0"/>
+              <a:t>Project Planning</a:t>
+            </a:r>
+            <a:endParaRPr lang="en-US" dirty="0"/>
+          </a:p>
+        </p:txBody>
+      </p:sp>
+      <p:sp>
+        <p:nvSpPr>
+          <p:cNvPr id="3" name="Content Placeholder 2"/>
+          <p:cNvSpPr>
+            <a:spLocks noGrp="1"/>
+          </p:cNvSpPr>
+          <p:nvPr>
+            <p:ph idx="1"/>
+          </p:nvPr>
+        </p:nvSpPr>
+        <p:spPr/>
+        <p:txBody>
+          <a:bodyPr>
+            <a:normAutofit fontScale="85000" lnSpcReduction="20000"/>
+          </a:bodyPr>
+          <a:lstStyle/>
+          <a:p>
+            <a:pPr fontAlgn="base"/>
+            <a:r>
+              <a:rPr lang="en-US" dirty="0"/>
+              <a:t>Deadlines</a:t>
+            </a:r>
+          </a:p>
+          <a:p>
+            <a:pPr lvl="1" fontAlgn="base"/>
+            <a:r>
+              <a:rPr lang="en-US" dirty="0"/>
+              <a:t>11/09 - Milestone 4</a:t>
+            </a:r>
+          </a:p>
+          <a:p>
+            <a:pPr lvl="2" fontAlgn="base"/>
+            <a:r>
+              <a:rPr lang="en-US" dirty="0"/>
+              <a:t>Brand</a:t>
+            </a:r>
+          </a:p>
+          <a:p>
+            <a:pPr lvl="2" fontAlgn="base"/>
+            <a:r>
+              <a:rPr lang="en-US" dirty="0"/>
+              <a:t>Production quality user interface (HTML / CSS)</a:t>
+            </a:r>
+          </a:p>
+          <a:p>
+            <a:pPr lvl="2" fontAlgn="base"/>
+            <a:r>
+              <a:rPr lang="en-US" dirty="0"/>
+              <a:t>Data Fusion</a:t>
+            </a:r>
+          </a:p>
+          <a:p>
+            <a:pPr lvl="2" fontAlgn="base"/>
+            <a:r>
+              <a:rPr lang="en-US" dirty="0"/>
+              <a:t>RSS Feed obtaining data and storing in database</a:t>
+            </a:r>
+          </a:p>
+          <a:p>
+            <a:pPr lvl="2" fontAlgn="base"/>
+            <a:r>
+              <a:rPr lang="en-US" dirty="0"/>
+              <a:t>Algorithm attempting matchmaking</a:t>
+            </a:r>
+          </a:p>
+          <a:p>
+            <a:pPr lvl="2" fontAlgn="base"/>
+            <a:r>
+              <a:rPr lang="en-US" dirty="0"/>
+              <a:t>Drupal Modules</a:t>
+            </a:r>
+          </a:p>
+          <a:p>
+            <a:pPr lvl="2" fontAlgn="base"/>
+            <a:r>
+              <a:rPr lang="en-US" dirty="0"/>
+              <a:t>Display modules</a:t>
+            </a:r>
+          </a:p>
+          <a:p>
+            <a:pPr lvl="2" fontAlgn="base"/>
+            <a:r>
+              <a:rPr lang="en-US" dirty="0"/>
+              <a:t>Data editing modules</a:t>
+            </a:r>
+          </a:p>
+          <a:p>
+            <a:pPr lvl="1" fontAlgn="base"/>
+            <a:r>
+              <a:rPr lang="en-US" dirty="0"/>
+              <a:t>12/07- Milestone 5</a:t>
+            </a:r>
+          </a:p>
+          <a:p>
+            <a:pPr lvl="2" fontAlgn="base"/>
+            <a:r>
+              <a:rPr lang="en-US" dirty="0"/>
+              <a:t>AWS Deployment</a:t>
+            </a:r>
+          </a:p>
+          <a:p>
+            <a:pPr lvl="2" fontAlgn="base"/>
+            <a:r>
+              <a:rPr lang="en-US" dirty="0"/>
+              <a:t>Integration of Varnish Cache server</a:t>
+            </a:r>
+          </a:p>
+          <a:p>
+            <a:pPr lvl="2" fontAlgn="base"/>
+            <a:r>
+              <a:rPr lang="en-US" dirty="0"/>
+              <a:t>Demonstration, Documentation, and </a:t>
+            </a:r>
+            <a:r>
+              <a:rPr lang="en-US" dirty="0" smtClean="0"/>
+              <a:t>Handover</a:t>
+            </a:r>
+            <a:endParaRPr lang="en-US" dirty="0"/>
+          </a:p>
+          <a:p>
+            <a:pPr marL="0" indent="0">
+              <a:buNone/>
+            </a:pPr>
+            <a:endParaRPr lang="en-US" dirty="0"/>
+          </a:p>
+        </p:txBody>
+      </p:sp>
+    </p:spTree>
+    <p:extLst>
+      <p:ext uri="{BB962C8B-B14F-4D97-AF65-F5344CB8AC3E}">
+        <p14:creationId xmlns:p14="http://schemas.microsoft.com/office/powerpoint/2010/main" val="798797315"/>
+      </p:ext>
+    </p:extLst>
+  </p:cSld>
+  <p:clrMapOvr>
+    <a:masterClrMapping/>
+  </p:clrMapOvr>
+</p:sld>
+</file>
+
+<file path=ppt/slides/slide33.xml><?xml version="1.0" encoding="utf-8"?>
+<p:sld xmlns:a="http://schemas.openxmlformats.org/drawingml/2006/main" xmlns:r="http://schemas.openxmlformats.org/officeDocument/2006/relationships" xmlns:p="http://schemas.openxmlformats.org/presentationml/2006/main">
+  <p:cSld>
+    <p:spTree>
+      <p:nvGrpSpPr>
+        <p:cNvPr id="1" name=""/>
+        <p:cNvGrpSpPr/>
+        <p:nvPr/>
+      </p:nvGrpSpPr>
+      <p:grpSpPr>
+        <a:xfrm>
+          <a:off x="0" y="0"/>
+          <a:ext cx="0" cy="0"/>
+          <a:chOff x="0" y="0"/>
+          <a:chExt cx="0" cy="0"/>
+        </a:xfrm>
+      </p:grpSpPr>
+      <p:sp>
+        <p:nvSpPr>
+          <p:cNvPr id="2" name="Title 1"/>
+          <p:cNvSpPr>
+            <a:spLocks noGrp="1"/>
+          </p:cNvSpPr>
+          <p:nvPr>
+            <p:ph type="title"/>
+          </p:nvPr>
+        </p:nvSpPr>
+        <p:spPr/>
+        <p:txBody>
+          <a:bodyPr/>
+          <a:lstStyle/>
+          <a:p>
+            <a:r>
+              <a:rPr lang="en-US" dirty="0" smtClean="0"/>
+              <a:t>Project Planning</a:t>
+            </a:r>
+            <a:endParaRPr lang="en-US" dirty="0"/>
+          </a:p>
+        </p:txBody>
+      </p:sp>
+      <p:sp>
+        <p:nvSpPr>
+          <p:cNvPr id="3" name="Content Placeholder 2"/>
+          <p:cNvSpPr>
+            <a:spLocks noGrp="1"/>
+          </p:cNvSpPr>
+          <p:nvPr>
+            <p:ph idx="1"/>
+          </p:nvPr>
+        </p:nvSpPr>
+        <p:spPr/>
+        <p:txBody>
+          <a:bodyPr>
+            <a:normAutofit/>
+          </a:bodyPr>
+          <a:lstStyle/>
+          <a:p>
+            <a:pPr fontAlgn="base"/>
+            <a:r>
+              <a:rPr lang="en-US" dirty="0"/>
+              <a:t>Plan</a:t>
+            </a:r>
+          </a:p>
+          <a:p>
+            <a:pPr lvl="1" fontAlgn="base"/>
+            <a:r>
+              <a:rPr lang="en-US" dirty="0"/>
+              <a:t>10/28 - 11/4</a:t>
+            </a:r>
+          </a:p>
+          <a:p>
+            <a:pPr lvl="2" fontAlgn="base"/>
+            <a:r>
+              <a:rPr lang="en-US" dirty="0"/>
+              <a:t>Finish front end display to user</a:t>
+            </a:r>
+          </a:p>
+          <a:p>
+            <a:pPr lvl="2" fontAlgn="base"/>
+            <a:r>
+              <a:rPr lang="en-US" dirty="0"/>
+              <a:t>Finish &amp; test RSS</a:t>
+            </a:r>
+          </a:p>
+          <a:p>
+            <a:pPr lvl="2" fontAlgn="base"/>
+            <a:r>
+              <a:rPr lang="en-US" dirty="0"/>
+              <a:t>Finish &amp; test Data Fusion Algorithm</a:t>
+            </a:r>
+          </a:p>
+          <a:p>
+            <a:pPr lvl="2" fontAlgn="base"/>
+            <a:r>
+              <a:rPr lang="en-US" dirty="0"/>
+              <a:t>Finish &amp; test Drupal Modules</a:t>
+            </a:r>
+          </a:p>
+          <a:p>
+            <a:pPr lvl="1" fontAlgn="base"/>
+            <a:r>
+              <a:rPr lang="en-US" dirty="0"/>
+              <a:t>11/5 - 11/09</a:t>
+            </a:r>
+          </a:p>
+          <a:p>
+            <a:pPr lvl="2" fontAlgn="base"/>
+            <a:r>
+              <a:rPr lang="en-US" dirty="0"/>
+              <a:t>Milestone 4 presentation</a:t>
+            </a:r>
+          </a:p>
+          <a:p>
+            <a:pPr lvl="2" fontAlgn="base"/>
+            <a:r>
+              <a:rPr lang="en-US" dirty="0"/>
+              <a:t>Milestone 4 document</a:t>
+            </a:r>
+          </a:p>
+          <a:p>
+            <a:pPr lvl="1" fontAlgn="base"/>
+            <a:r>
+              <a:rPr lang="en-US" dirty="0"/>
+              <a:t>11/09 - Milestone </a:t>
+            </a:r>
+            <a:r>
+              <a:rPr lang="en-US" dirty="0" smtClean="0"/>
+              <a:t>4</a:t>
+            </a:r>
+            <a:endParaRPr lang="en-US" dirty="0"/>
+          </a:p>
+        </p:txBody>
+      </p:sp>
+    </p:spTree>
+    <p:extLst>
+      <p:ext uri="{BB962C8B-B14F-4D97-AF65-F5344CB8AC3E}">
+        <p14:creationId xmlns:p14="http://schemas.microsoft.com/office/powerpoint/2010/main" val="42954750"/>
+      </p:ext>
+    </p:extLst>
+  </p:cSld>
+  <p:clrMapOvr>
+    <a:masterClrMapping/>
+  </p:clrMapOvr>
+</p:sld>
+</file>
+
+<file path=ppt/slides/slide34.xml><?xml version="1.0" encoding="utf-8"?>
+<p:sld xmlns:a="http://schemas.openxmlformats.org/drawingml/2006/main" xmlns:r="http://schemas.openxmlformats.org/officeDocument/2006/relationships" xmlns:p="http://schemas.openxmlformats.org/presentationml/2006/main">
+  <p:cSld>
+    <p:spTree>
+      <p:nvGrpSpPr>
+        <p:cNvPr id="1" name=""/>
+        <p:cNvGrpSpPr/>
+        <p:nvPr/>
+      </p:nvGrpSpPr>
+      <p:grpSpPr>
+        <a:xfrm>
+          <a:off x="0" y="0"/>
+          <a:ext cx="0" cy="0"/>
+          <a:chOff x="0" y="0"/>
+          <a:chExt cx="0" cy="0"/>
+        </a:xfrm>
+      </p:grpSpPr>
+      <p:sp>
+        <p:nvSpPr>
+          <p:cNvPr id="2" name="Title 1"/>
+          <p:cNvSpPr>
+            <a:spLocks noGrp="1"/>
+          </p:cNvSpPr>
+          <p:nvPr>
+            <p:ph type="title"/>
+          </p:nvPr>
+        </p:nvSpPr>
+        <p:spPr/>
+        <p:txBody>
+          <a:bodyPr/>
+          <a:lstStyle/>
+          <a:p>
+            <a:r>
+              <a:rPr lang="en-US" dirty="0" smtClean="0"/>
+              <a:t>Project Planning</a:t>
+            </a:r>
+            <a:endParaRPr lang="en-US" dirty="0"/>
+          </a:p>
+        </p:txBody>
+      </p:sp>
+      <p:sp>
+        <p:nvSpPr>
+          <p:cNvPr id="3" name="Content Placeholder 2"/>
+          <p:cNvSpPr>
+            <a:spLocks noGrp="1"/>
+          </p:cNvSpPr>
+          <p:nvPr>
+            <p:ph idx="1"/>
+          </p:nvPr>
+        </p:nvSpPr>
+        <p:spPr/>
+        <p:txBody>
+          <a:bodyPr>
+            <a:normAutofit fontScale="92500" lnSpcReduction="20000"/>
+          </a:bodyPr>
+          <a:lstStyle/>
+          <a:p>
+            <a:pPr fontAlgn="base"/>
+            <a:r>
+              <a:rPr lang="en-US" dirty="0"/>
+              <a:t>Plan</a:t>
+            </a:r>
+          </a:p>
+          <a:p>
+            <a:pPr lvl="1" fontAlgn="base"/>
+            <a:r>
+              <a:rPr lang="en-US" dirty="0"/>
+              <a:t>11/12 - 11/18</a:t>
+            </a:r>
+          </a:p>
+          <a:p>
+            <a:pPr lvl="2" fontAlgn="base"/>
+            <a:r>
+              <a:rPr lang="en-US" dirty="0"/>
+              <a:t>Final touches to all parts of project</a:t>
+            </a:r>
+          </a:p>
+          <a:p>
+            <a:pPr lvl="2" fontAlgn="base"/>
+            <a:r>
+              <a:rPr lang="en-US" dirty="0"/>
+              <a:t>Write example articles</a:t>
+            </a:r>
+          </a:p>
+          <a:p>
+            <a:pPr lvl="2" fontAlgn="base"/>
+            <a:r>
+              <a:rPr lang="en-US" dirty="0"/>
+              <a:t>Setup necessary accounts &amp; </a:t>
+            </a:r>
+            <a:r>
+              <a:rPr lang="en-US" dirty="0" smtClean="0"/>
+              <a:t>Google </a:t>
+            </a:r>
+            <a:r>
+              <a:rPr lang="en-US" dirty="0"/>
+              <a:t>ads</a:t>
+            </a:r>
+          </a:p>
+          <a:p>
+            <a:pPr lvl="2" fontAlgn="base"/>
+            <a:r>
+              <a:rPr lang="en-US" dirty="0"/>
+              <a:t>User and system testing</a:t>
+            </a:r>
+          </a:p>
+          <a:p>
+            <a:pPr lvl="1" fontAlgn="base"/>
+            <a:r>
+              <a:rPr lang="en-US" dirty="0"/>
+              <a:t>11/19 - 11/25</a:t>
+            </a:r>
+          </a:p>
+          <a:p>
+            <a:pPr lvl="2" fontAlgn="base"/>
+            <a:r>
+              <a:rPr lang="en-US" dirty="0"/>
+              <a:t>AWS Deployment</a:t>
+            </a:r>
+          </a:p>
+          <a:p>
+            <a:pPr lvl="2" fontAlgn="base"/>
+            <a:r>
+              <a:rPr lang="en-US" dirty="0"/>
+              <a:t>Integration of Varnish Server</a:t>
+            </a:r>
+          </a:p>
+          <a:p>
+            <a:pPr lvl="1" fontAlgn="base"/>
+            <a:r>
+              <a:rPr lang="en-US" dirty="0"/>
+              <a:t>11/26 - 12/01</a:t>
+            </a:r>
+          </a:p>
+          <a:p>
+            <a:pPr lvl="2" fontAlgn="base"/>
+            <a:r>
+              <a:rPr lang="en-US" dirty="0"/>
+              <a:t>Validation of requirements and system</a:t>
+            </a:r>
+          </a:p>
+          <a:p>
+            <a:pPr lvl="2" fontAlgn="base"/>
+            <a:r>
+              <a:rPr lang="en-US" dirty="0"/>
+              <a:t>Documentation &amp; Handover</a:t>
+            </a:r>
+          </a:p>
+          <a:p>
+            <a:pPr lvl="1" fontAlgn="base"/>
+            <a:r>
+              <a:rPr lang="en-US" dirty="0"/>
+              <a:t>12/02 - Demonstration (Final)</a:t>
+            </a:r>
+          </a:p>
+        </p:txBody>
+      </p:sp>
+    </p:spTree>
+    <p:extLst>
+      <p:ext uri="{BB962C8B-B14F-4D97-AF65-F5344CB8AC3E}">
+        <p14:creationId xmlns:p14="http://schemas.microsoft.com/office/powerpoint/2010/main" val="2946598503"/>
+      </p:ext>
+    </p:extLst>
+  </p:cSld>
+  <p:clrMapOvr>
+    <a:masterClrMapping/>
+  </p:clrMapOvr>
+</p:sld>
+</file>
+
+<file path=ppt/slides/slide35.xml><?xml version="1.0" encoding="utf-8"?>
+<p:sld xmlns:a="http://schemas.openxmlformats.org/drawingml/2006/main" xmlns:r="http://schemas.openxmlformats.org/officeDocument/2006/relationships" xmlns:p="http://schemas.openxmlformats.org/presentationml/2006/main">
+  <p:cSld>
+    <p:spTree>
+      <p:nvGrpSpPr>
+        <p:cNvPr id="1" name=""/>
+        <p:cNvGrpSpPr/>
+        <p:nvPr/>
+      </p:nvGrpSpPr>
+      <p:grpSpPr>
+        <a:xfrm>
+          <a:off x="0" y="0"/>
+          <a:ext cx="0" cy="0"/>
+          <a:chOff x="0" y="0"/>
+          <a:chExt cx="0" cy="0"/>
+        </a:xfrm>
+      </p:grpSpPr>
+      <p:sp>
+        <p:nvSpPr>
+          <p:cNvPr id="2" name="Title 1"/>
+          <p:cNvSpPr>
+            <a:spLocks noGrp="1"/>
+          </p:cNvSpPr>
+          <p:nvPr>
+            <p:ph type="title"/>
+          </p:nvPr>
+        </p:nvSpPr>
+        <p:spPr/>
+        <p:txBody>
+          <a:bodyPr/>
+          <a:lstStyle/>
+          <a:p>
+            <a:r>
+              <a:rPr lang="en-US" dirty="0" smtClean="0"/>
+              <a:t>Issues That Have Arisen</a:t>
+            </a:r>
+            <a:endParaRPr lang="en-US" dirty="0"/>
+          </a:p>
+        </p:txBody>
+      </p:sp>
+      <p:sp>
+        <p:nvSpPr>
+          <p:cNvPr id="3" name="Content Placeholder 2"/>
+          <p:cNvSpPr>
+            <a:spLocks noGrp="1"/>
+          </p:cNvSpPr>
+          <p:nvPr>
+            <p:ph idx="1"/>
+          </p:nvPr>
+        </p:nvSpPr>
+        <p:spPr/>
+        <p:txBody>
+          <a:bodyPr/>
+          <a:lstStyle/>
+          <a:p>
+            <a:r>
+              <a:rPr lang="en-US" dirty="0" smtClean="0"/>
+              <a:t>None for this milestone</a:t>
+            </a:r>
+          </a:p>
+          <a:p>
+            <a:r>
+              <a:rPr lang="en-US" dirty="0" smtClean="0"/>
+              <a:t>Next milestone: expecting deployment issue</a:t>
+            </a:r>
+          </a:p>
+          <a:p>
+            <a:pPr lvl="1"/>
+            <a:r>
+              <a:rPr lang="en-US" dirty="0" smtClean="0"/>
+              <a:t>Difficulty setting up accounts &amp; funding</a:t>
+            </a:r>
+          </a:p>
+          <a:p>
+            <a:pPr lvl="2"/>
+            <a:r>
+              <a:rPr lang="en-US" dirty="0"/>
+              <a:t>In constant communication with client to resolve</a:t>
+            </a:r>
+            <a:endParaRPr lang="en-US" dirty="0" smtClean="0"/>
+          </a:p>
+          <a:p>
+            <a:pPr lvl="1"/>
+            <a:r>
+              <a:rPr lang="en-US" dirty="0" smtClean="0"/>
+              <a:t>Headaches with AWS servers</a:t>
+            </a:r>
+          </a:p>
+          <a:p>
+            <a:pPr lvl="2"/>
+            <a:r>
+              <a:rPr lang="en-US" dirty="0" smtClean="0"/>
+              <a:t>Giving enough time to complete deployment</a:t>
+            </a:r>
+          </a:p>
+          <a:p>
+            <a:pPr lvl="1"/>
+            <a:endParaRPr lang="en-US" dirty="0" smtClean="0"/>
+          </a:p>
+        </p:txBody>
+      </p:sp>
+    </p:spTree>
+    <p:extLst>
+      <p:ext uri="{BB962C8B-B14F-4D97-AF65-F5344CB8AC3E}">
+        <p14:creationId xmlns:p14="http://schemas.microsoft.com/office/powerpoint/2010/main" val="435606885"/>
+      </p:ext>
+    </p:extLst>
+  </p:cSld>
+  <p:clrMapOvr>
+    <a:masterClrMapping/>
+  </p:clrMapOvr>
+</p:sld>
+</file>
+
+<file path=ppt/slides/slide36.xml><?xml version="1.0" encoding="utf-8"?>
+<p:sld xmlns:a="http://schemas.openxmlformats.org/drawingml/2006/main" xmlns:r="http://schemas.openxmlformats.org/officeDocument/2006/relationships" xmlns:p="http://schemas.openxmlformats.org/presentationml/2006/main">
+  <p:cSld>
+    <p:spTree>
+      <p:nvGrpSpPr>
+        <p:cNvPr id="1" name=""/>
+        <p:cNvGrpSpPr/>
+        <p:nvPr/>
+      </p:nvGrpSpPr>
+      <p:grpSpPr>
+        <a:xfrm>
+          <a:off x="0" y="0"/>
+          <a:ext cx="0" cy="0"/>
+          <a:chOff x="0" y="0"/>
+          <a:chExt cx="0" cy="0"/>
+        </a:xfrm>
+      </p:grpSpPr>
+      <p:sp>
+        <p:nvSpPr>
+          <p:cNvPr id="2" name="Title 1"/>
+          <p:cNvSpPr>
+            <a:spLocks noGrp="1"/>
+          </p:cNvSpPr>
+          <p:nvPr>
+            <p:ph type="title"/>
+          </p:nvPr>
+        </p:nvSpPr>
+        <p:spPr/>
+        <p:txBody>
+          <a:bodyPr/>
+          <a:lstStyle/>
+          <a:p>
+            <a:r>
+              <a:rPr lang="en-US" dirty="0" smtClean="0"/>
+              <a:t>Milestone 3 Summary</a:t>
+            </a:r>
+            <a:endParaRPr lang="en-US" dirty="0"/>
+          </a:p>
+        </p:txBody>
+      </p:sp>
+      <p:sp>
+        <p:nvSpPr>
+          <p:cNvPr id="3" name="Content Placeholder 2"/>
+          <p:cNvSpPr>
+            <a:spLocks noGrp="1"/>
+          </p:cNvSpPr>
+          <p:nvPr>
+            <p:ph idx="1"/>
+          </p:nvPr>
+        </p:nvSpPr>
+        <p:spPr/>
+        <p:txBody>
+          <a:bodyPr>
+            <a:normAutofit lnSpcReduction="10000"/>
+          </a:bodyPr>
+          <a:lstStyle/>
+          <a:p>
+            <a:r>
+              <a:rPr lang="en-US" dirty="0" smtClean="0"/>
+              <a:t>Completed</a:t>
+            </a:r>
+          </a:p>
+          <a:p>
+            <a:pPr lvl="1"/>
+            <a:r>
+              <a:rPr lang="en-US" dirty="0" smtClean="0"/>
+              <a:t>Cornell </a:t>
+            </a:r>
+            <a:r>
+              <a:rPr lang="en-US" dirty="0"/>
+              <a:t>Daily Tech Brand</a:t>
+            </a:r>
+          </a:p>
+          <a:p>
+            <a:pPr lvl="1"/>
+            <a:r>
+              <a:rPr lang="en-US" dirty="0"/>
+              <a:t>Website Interface</a:t>
+            </a:r>
+          </a:p>
+          <a:p>
+            <a:pPr lvl="1"/>
+            <a:r>
+              <a:rPr lang="en-US" dirty="0"/>
+              <a:t>Database Redesign &amp; Shared Library</a:t>
+            </a:r>
+          </a:p>
+          <a:p>
+            <a:pPr lvl="1"/>
+            <a:r>
+              <a:rPr lang="en-US" dirty="0"/>
+              <a:t>RSS &amp; Web Scraping</a:t>
+            </a:r>
+          </a:p>
+          <a:p>
+            <a:pPr lvl="1"/>
+            <a:r>
+              <a:rPr lang="en-US" dirty="0"/>
+              <a:t>Data Fusion Algorithm</a:t>
+            </a:r>
+          </a:p>
+          <a:p>
+            <a:pPr lvl="1"/>
+            <a:r>
+              <a:rPr lang="en-US" dirty="0"/>
+              <a:t>Drupal </a:t>
+            </a:r>
+            <a:r>
+              <a:rPr lang="en-US" dirty="0" smtClean="0"/>
+              <a:t>Modules</a:t>
+            </a:r>
+          </a:p>
+          <a:p>
+            <a:r>
+              <a:rPr lang="en-US" dirty="0" smtClean="0"/>
+              <a:t>Next Steps</a:t>
+            </a:r>
+          </a:p>
+          <a:p>
+            <a:pPr lvl="1"/>
+            <a:r>
+              <a:rPr lang="en-US" dirty="0" smtClean="0"/>
+              <a:t>Finishing touches, testing, deployment, validation, documentation &amp; handover</a:t>
+            </a:r>
+            <a:endParaRPr lang="en-US" dirty="0"/>
+          </a:p>
+        </p:txBody>
+      </p:sp>
+    </p:spTree>
+    <p:extLst>
+      <p:ext uri="{BB962C8B-B14F-4D97-AF65-F5344CB8AC3E}">
+        <p14:creationId xmlns:p14="http://schemas.microsoft.com/office/powerpoint/2010/main" val="117092650"/>
       </p:ext>
     </p:extLst>
   </p:cSld>
@@ -4184,7 +7001,7 @@
           <a:p>
             <a:r>
               <a:rPr lang="en-US" dirty="0" smtClean="0"/>
-              <a:t>Project Benefits</a:t>
+              <a:t>System Design</a:t>
             </a:r>
             <a:endParaRPr lang="en-US" dirty="0"/>
           </a:p>
@@ -4207,123 +7024,6 @@
           <a:p>
             <a:r>
               <a:rPr lang="en-US" dirty="0" smtClean="0"/>
-              <a:t>New Market</a:t>
-            </a:r>
-          </a:p>
-          <a:p>
-            <a:pPr lvl="1"/>
-            <a:r>
-              <a:rPr lang="en-US" dirty="0" smtClean="0"/>
-              <a:t>Old website has 80,000 unique quarterly users</a:t>
-            </a:r>
-          </a:p>
-          <a:p>
-            <a:pPr lvl="1"/>
-            <a:r>
-              <a:rPr lang="en-US" dirty="0" smtClean="0"/>
-              <a:t>New market will eventually have equivalent population</a:t>
-            </a:r>
-          </a:p>
-          <a:p>
-            <a:pPr lvl="1"/>
-            <a:r>
-              <a:rPr lang="en-US" dirty="0" smtClean="0"/>
-              <a:t>More advertisement opportunities</a:t>
-            </a:r>
-          </a:p>
-          <a:p>
-            <a:pPr lvl="1"/>
-            <a:r>
-              <a:rPr lang="en-US" dirty="0" smtClean="0"/>
-              <a:t>Larger Population of Readers</a:t>
-            </a:r>
-          </a:p>
-          <a:p>
-            <a:r>
-              <a:rPr lang="en-US" dirty="0" smtClean="0"/>
-              <a:t>New Website System</a:t>
-            </a:r>
-          </a:p>
-          <a:p>
-            <a:pPr lvl="1"/>
-            <a:r>
-              <a:rPr lang="en-US" dirty="0" smtClean="0"/>
-              <a:t>Potential to integrate into current website</a:t>
-            </a:r>
-            <a:endParaRPr lang="en-US" dirty="0"/>
-          </a:p>
-        </p:txBody>
-      </p:sp>
-    </p:spTree>
-    <p:extLst>
-      <p:ext uri="{BB962C8B-B14F-4D97-AF65-F5344CB8AC3E}">
-        <p14:creationId xmlns:p14="http://schemas.microsoft.com/office/powerpoint/2010/main" val="372408582"/>
-      </p:ext>
-    </p:extLst>
-  </p:cSld>
-  <p:clrMapOvr>
-    <a:masterClrMapping/>
-  </p:clrMapOvr>
-</p:sld>
-</file>
-
-<file path=ppt/slides/slide6.xml><?xml version="1.0" encoding="utf-8"?>
-<p:sld xmlns:a="http://schemas.openxmlformats.org/drawingml/2006/main" xmlns:r="http://schemas.openxmlformats.org/officeDocument/2006/relationships" xmlns:p="http://schemas.openxmlformats.org/presentationml/2006/main">
-  <p:cSld>
-    <p:spTree>
-      <p:nvGrpSpPr>
-        <p:cNvPr id="1" name=""/>
-        <p:cNvGrpSpPr/>
-        <p:nvPr/>
-      </p:nvGrpSpPr>
-      <p:grpSpPr>
-        <a:xfrm>
-          <a:off x="0" y="0"/>
-          <a:ext cx="0" cy="0"/>
-          <a:chOff x="0" y="0"/>
-          <a:chExt cx="0" cy="0"/>
-        </a:xfrm>
-      </p:grpSpPr>
-      <p:sp>
-        <p:nvSpPr>
-          <p:cNvPr id="2" name="Title 1"/>
-          <p:cNvSpPr>
-            <a:spLocks noGrp="1"/>
-          </p:cNvSpPr>
-          <p:nvPr>
-            <p:ph type="title"/>
-          </p:nvPr>
-        </p:nvSpPr>
-        <p:spPr/>
-        <p:txBody>
-          <a:bodyPr/>
-          <a:lstStyle/>
-          <a:p>
-            <a:r>
-              <a:rPr lang="en-US" dirty="0" smtClean="0"/>
-              <a:t>System Design</a:t>
-            </a:r>
-            <a:endParaRPr lang="en-US" dirty="0"/>
-          </a:p>
-        </p:txBody>
-      </p:sp>
-      <p:sp>
-        <p:nvSpPr>
-          <p:cNvPr id="3" name="Content Placeholder 2"/>
-          <p:cNvSpPr>
-            <a:spLocks noGrp="1"/>
-          </p:cNvSpPr>
-          <p:nvPr>
-            <p:ph idx="1"/>
-          </p:nvPr>
-        </p:nvSpPr>
-        <p:spPr/>
-        <p:txBody>
-          <a:bodyPr/>
-          <a:lstStyle/>
-          <a:p>
-            <a:r>
-              <a:rPr lang="en-US" dirty="0" smtClean="0"/>
               <a:t>Server Running MySQL, Apache 2, Java, and Varnish (Reverse HTTP Proxy Web Caching)</a:t>
             </a:r>
           </a:p>
@@ -4348,13 +7048,8 @@
           <a:p>
             <a:r>
               <a:rPr lang="en-US" dirty="0" smtClean="0"/>
-              <a:t>Data Fusion using Apache </a:t>
-            </a:r>
-            <a:r>
-              <a:rPr lang="en-US" dirty="0" err="1" smtClean="0"/>
-              <a:t>Lucene</a:t>
-            </a:r>
-            <a:endParaRPr lang="en-US" dirty="0" smtClean="0"/>
+              <a:t>Data Fusion using Apache Lucene</a:t>
+            </a:r>
           </a:p>
           <a:p>
             <a:endParaRPr lang="en-US" dirty="0"/>
@@ -4374,7 +7069,7 @@
 </p:sld>
 </file>
 
-<file path=ppt/slides/slide7.xml><?xml version="1.0" encoding="utf-8"?>
+<file path=ppt/slides/slide6.xml><?xml version="1.0" encoding="utf-8"?>
 <p:sld xmlns:a="http://schemas.openxmlformats.org/drawingml/2006/main" xmlns:r="http://schemas.openxmlformats.org/officeDocument/2006/relationships" xmlns:p="http://schemas.openxmlformats.org/presentationml/2006/main">
   <p:cSld>
     <p:spTree>
@@ -4457,7 +7152,7 @@
 </p:sld>
 </file>
 
-<file path=ppt/slides/slide8.xml><?xml version="1.0" encoding="utf-8"?>
+<file path=ppt/slides/slide7.xml><?xml version="1.0" encoding="utf-8"?>
 <p:sld xmlns:a="http://schemas.openxmlformats.org/drawingml/2006/main" xmlns:r="http://schemas.openxmlformats.org/officeDocument/2006/relationships" xmlns:p="http://schemas.openxmlformats.org/presentationml/2006/main">
   <p:cSld>
     <p:spTree>
@@ -4540,6 +7235,114 @@
 </p:sld>
 </file>
 
+<file path=ppt/slides/slide8.xml><?xml version="1.0" encoding="utf-8"?>
+<p:sld xmlns:a="http://schemas.openxmlformats.org/drawingml/2006/main" xmlns:r="http://schemas.openxmlformats.org/officeDocument/2006/relationships" xmlns:p="http://schemas.openxmlformats.org/presentationml/2006/main">
+  <p:cSld>
+    <p:spTree>
+      <p:nvGrpSpPr>
+        <p:cNvPr id="1" name=""/>
+        <p:cNvGrpSpPr/>
+        <p:nvPr/>
+      </p:nvGrpSpPr>
+      <p:grpSpPr>
+        <a:xfrm>
+          <a:off x="0" y="0"/>
+          <a:ext cx="0" cy="0"/>
+          <a:chOff x="0" y="0"/>
+          <a:chExt cx="0" cy="0"/>
+        </a:xfrm>
+      </p:grpSpPr>
+      <p:sp>
+        <p:nvSpPr>
+          <p:cNvPr id="2" name="Title 1"/>
+          <p:cNvSpPr>
+            <a:spLocks noGrp="1"/>
+          </p:cNvSpPr>
+          <p:nvPr>
+            <p:ph type="title"/>
+          </p:nvPr>
+        </p:nvSpPr>
+        <p:spPr/>
+        <p:txBody>
+          <a:bodyPr/>
+          <a:lstStyle/>
+          <a:p>
+            <a:r>
+              <a:rPr lang="en-US" dirty="0" smtClean="0"/>
+              <a:t>Progress for Milestone 3</a:t>
+            </a:r>
+            <a:endParaRPr lang="en-US" dirty="0"/>
+          </a:p>
+        </p:txBody>
+      </p:sp>
+      <p:sp>
+        <p:nvSpPr>
+          <p:cNvPr id="3" name="Content Placeholder 2"/>
+          <p:cNvSpPr>
+            <a:spLocks noGrp="1"/>
+          </p:cNvSpPr>
+          <p:nvPr>
+            <p:ph idx="1"/>
+          </p:nvPr>
+        </p:nvSpPr>
+        <p:spPr/>
+        <p:txBody>
+          <a:bodyPr>
+            <a:normAutofit/>
+          </a:bodyPr>
+          <a:lstStyle/>
+          <a:p>
+            <a:r>
+              <a:rPr lang="en-US" dirty="0"/>
+              <a:t>Cornell Daily Tech Brand</a:t>
+            </a:r>
+          </a:p>
+          <a:p>
+            <a:r>
+              <a:rPr lang="en-US" dirty="0"/>
+              <a:t>Website Interface</a:t>
+            </a:r>
+          </a:p>
+          <a:p>
+            <a:r>
+              <a:rPr lang="en-US" dirty="0"/>
+              <a:t>Database Redesign &amp; Shared Library</a:t>
+            </a:r>
+          </a:p>
+          <a:p>
+            <a:r>
+              <a:rPr lang="en-US" dirty="0"/>
+              <a:t>RSS &amp; Web Scraping</a:t>
+            </a:r>
+          </a:p>
+          <a:p>
+            <a:r>
+              <a:rPr lang="en-US" dirty="0"/>
+              <a:t>Data Fusion Algorithm</a:t>
+            </a:r>
+          </a:p>
+          <a:p>
+            <a:r>
+              <a:rPr lang="en-US" dirty="0"/>
+              <a:t>Drupal Modules</a:t>
+            </a:r>
+            <a:endParaRPr lang="en-US" dirty="0" smtClean="0"/>
+          </a:p>
+        </p:txBody>
+      </p:sp>
+    </p:spTree>
+    <p:extLst>
+      <p:ext uri="{BB962C8B-B14F-4D97-AF65-F5344CB8AC3E}">
+        <p14:creationId xmlns:p14="http://schemas.microsoft.com/office/powerpoint/2010/main" val="2288672987"/>
+      </p:ext>
+    </p:extLst>
+  </p:cSld>
+  <p:clrMapOvr>
+    <a:masterClrMapping/>
+  </p:clrMapOvr>
+</p:sld>
+</file>
+
 <file path=ppt/slides/slide9.xml><?xml version="1.0" encoding="utf-8"?>
 <p:sld xmlns:a="http://schemas.openxmlformats.org/drawingml/2006/main" xmlns:r="http://schemas.openxmlformats.org/officeDocument/2006/relationships" xmlns:p="http://schemas.openxmlformats.org/presentationml/2006/main">
   <p:cSld>
@@ -4574,11 +7377,7 @@
           <a:p>
             <a:r>
               <a:rPr lang="en-US" dirty="0" smtClean="0"/>
-              <a:t>Progress for Milestone </a:t>
-            </a:r>
-            <a:r>
-              <a:rPr lang="en-US" dirty="0" smtClean="0"/>
-              <a:t>3</a:t>
+              <a:t>Cornell Daily Tech Brand</a:t>
             </a:r>
             <a:endParaRPr lang="en-US" dirty="0"/>
           </a:p>
@@ -4601,6 +7400,57 @@
           </a:bodyPr>
           <a:lstStyle/>
           <a:p>
+            <a:r>
+              <a:rPr lang="en-US" dirty="0" smtClean="0"/>
+              <a:t>Cornell Daily Tech Identity</a:t>
+            </a:r>
+          </a:p>
+          <a:p>
+            <a:r>
+              <a:rPr lang="en-US" dirty="0" smtClean="0"/>
+              <a:t>Logo Design</a:t>
+            </a:r>
+            <a:r>
+              <a:rPr lang="en-US" dirty="0"/>
+              <a:t> </a:t>
+            </a:r>
+            <a:r>
+              <a:rPr lang="en-US" dirty="0" smtClean="0"/>
+              <a:t>&amp; Color Scheme</a:t>
+            </a:r>
+          </a:p>
+          <a:p>
+            <a:r>
+              <a:rPr lang="en-US" dirty="0" smtClean="0"/>
+              <a:t>Temporary &amp; Permanent Navigation</a:t>
+            </a:r>
+          </a:p>
+          <a:p>
+            <a:pPr lvl="1"/>
+            <a:r>
+              <a:rPr lang="en-US" dirty="0" smtClean="0"/>
+              <a:t>Inspired by </a:t>
+            </a:r>
+            <a:r>
+              <a:rPr lang="en-US" dirty="0" err="1" smtClean="0"/>
+              <a:t>NYTBits</a:t>
+            </a:r>
+            <a:endParaRPr lang="en-US" dirty="0" smtClean="0"/>
+          </a:p>
+          <a:p>
+            <a:r>
+              <a:rPr lang="en-US" dirty="0" smtClean="0"/>
+              <a:t>Grid Layout</a:t>
+            </a:r>
+          </a:p>
+          <a:p>
+            <a:pPr lvl="1"/>
+            <a:r>
+              <a:rPr lang="en-US" dirty="0" smtClean="0"/>
+              <a:t>Inspired by The Verge</a:t>
+            </a:r>
+          </a:p>
+          <a:p>
             <a:endParaRPr lang="en-US" dirty="0" smtClean="0"/>
           </a:p>
         </p:txBody>
@@ -4608,7 +7458,7 @@
     </p:spTree>
     <p:extLst>
       <p:ext uri="{BB962C8B-B14F-4D97-AF65-F5344CB8AC3E}">
-        <p14:creationId xmlns:p14="http://schemas.microsoft.com/office/powerpoint/2010/main" val="2288672987"/>
+        <p14:creationId xmlns:p14="http://schemas.microsoft.com/office/powerpoint/2010/main" val="415538692"/>
       </p:ext>
     </p:extLst>
   </p:cSld>

--- a/se_process/milestone3/milestone3.pptx
+++ b/se_process/milestone3/milestone3.pptx
@@ -227,7 +227,7 @@
           <a:p>
             <a:fld id="{B97E48AD-3BAE-BE47-BEAC-B0973A2754C5}" type="datetimeFigureOut">
               <a:rPr lang="en-US" smtClean="0"/>
-              <a:t>11/8/12</a:t>
+              <a:t>11/9/2012</a:t>
             </a:fld>
             <a:endParaRPr lang="en-US"/>
           </a:p>
@@ -676,7 +676,7 @@
           <a:p>
             <a:fld id="{1C2FB352-3FF1-4E47-B432-380F887EB6CA}" type="datetimeFigureOut">
               <a:rPr lang="en-US" smtClean="0"/>
-              <a:t>11/8/12</a:t>
+              <a:t>11/9/2012</a:t>
             </a:fld>
             <a:endParaRPr lang="en-US"/>
           </a:p>
@@ -846,7 +846,7 @@
           <a:p>
             <a:fld id="{1C2FB352-3FF1-4E47-B432-380F887EB6CA}" type="datetimeFigureOut">
               <a:rPr lang="en-US" smtClean="0"/>
-              <a:t>11/8/12</a:t>
+              <a:t>11/9/2012</a:t>
             </a:fld>
             <a:endParaRPr lang="en-US"/>
           </a:p>
@@ -1026,7 +1026,7 @@
           <a:p>
             <a:fld id="{1C2FB352-3FF1-4E47-B432-380F887EB6CA}" type="datetimeFigureOut">
               <a:rPr lang="en-US" smtClean="0"/>
-              <a:t>11/8/12</a:t>
+              <a:t>11/9/2012</a:t>
             </a:fld>
             <a:endParaRPr lang="en-US"/>
           </a:p>
@@ -1206,7 +1206,7 @@
           <a:p>
             <a:fld id="{1C2FB352-3FF1-4E47-B432-380F887EB6CA}" type="datetimeFigureOut">
               <a:rPr lang="en-US" smtClean="0"/>
-              <a:t>11/8/12</a:t>
+              <a:t>11/9/2012</a:t>
             </a:fld>
             <a:endParaRPr lang="en-US"/>
           </a:p>
@@ -1490,7 +1490,7 @@
           <a:p>
             <a:fld id="{1C2FB352-3FF1-4E47-B432-380F887EB6CA}" type="datetimeFigureOut">
               <a:rPr lang="en-US" smtClean="0"/>
-              <a:t>11/8/12</a:t>
+              <a:t>11/9/2012</a:t>
             </a:fld>
             <a:endParaRPr lang="en-US"/>
           </a:p>
@@ -1778,7 +1778,7 @@
           <a:p>
             <a:fld id="{1C2FB352-3FF1-4E47-B432-380F887EB6CA}" type="datetimeFigureOut">
               <a:rPr lang="en-US" smtClean="0"/>
-              <a:t>11/8/12</a:t>
+              <a:t>11/9/2012</a:t>
             </a:fld>
             <a:endParaRPr lang="en-US"/>
           </a:p>
@@ -2200,7 +2200,7 @@
           <a:p>
             <a:fld id="{1C2FB352-3FF1-4E47-B432-380F887EB6CA}" type="datetimeFigureOut">
               <a:rPr lang="en-US" smtClean="0"/>
-              <a:t>11/8/12</a:t>
+              <a:t>11/9/2012</a:t>
             </a:fld>
             <a:endParaRPr lang="en-US"/>
           </a:p>
@@ -2318,7 +2318,7 @@
           <a:p>
             <a:fld id="{1C2FB352-3FF1-4E47-B432-380F887EB6CA}" type="datetimeFigureOut">
               <a:rPr lang="en-US" smtClean="0"/>
-              <a:t>11/8/12</a:t>
+              <a:t>11/9/2012</a:t>
             </a:fld>
             <a:endParaRPr lang="en-US"/>
           </a:p>
@@ -2413,7 +2413,7 @@
           <a:p>
             <a:fld id="{1C2FB352-3FF1-4E47-B432-380F887EB6CA}" type="datetimeFigureOut">
               <a:rPr lang="en-US" smtClean="0"/>
-              <a:t>11/8/12</a:t>
+              <a:t>11/9/2012</a:t>
             </a:fld>
             <a:endParaRPr lang="en-US"/>
           </a:p>
@@ -2690,7 +2690,7 @@
           <a:p>
             <a:fld id="{1C2FB352-3FF1-4E47-B432-380F887EB6CA}" type="datetimeFigureOut">
               <a:rPr lang="en-US" smtClean="0"/>
-              <a:t>11/8/12</a:t>
+              <a:t>11/9/2012</a:t>
             </a:fld>
             <a:endParaRPr lang="en-US"/>
           </a:p>
@@ -2943,7 +2943,7 @@
           <a:p>
             <a:fld id="{1C2FB352-3FF1-4E47-B432-380F887EB6CA}" type="datetimeFigureOut">
               <a:rPr lang="en-US" smtClean="0"/>
-              <a:t>11/8/12</a:t>
+              <a:t>11/9/2012</a:t>
             </a:fld>
             <a:endParaRPr lang="en-US"/>
           </a:p>
@@ -3156,7 +3156,7 @@
           <a:p>
             <a:fld id="{1C2FB352-3FF1-4E47-B432-380F887EB6CA}" type="datetimeFigureOut">
               <a:rPr lang="en-US" smtClean="0"/>
-              <a:t>11/8/12</a:t>
+              <a:t>11/9/2012</a:t>
             </a:fld>
             <a:endParaRPr lang="en-US"/>
           </a:p>
@@ -3741,7 +3741,6 @@
               <a:rPr lang="en-US" dirty="0"/>
               <a:t>Website Interface</a:t>
             </a:r>
-            <a:endParaRPr lang="en-US" dirty="0"/>
           </a:p>
         </p:txBody>
       </p:sp>
@@ -3809,11 +3808,7 @@
             <a:pPr lvl="1"/>
             <a:r>
               <a:rPr lang="en-US" dirty="0" smtClean="0"/>
-              <a:t>Trending tags italicized</a:t>
-            </a:r>
-            <a:r>
-              <a:rPr lang="en-US" dirty="0" smtClean="0"/>
-              <a:t>, vertical bar, permanent tags bolded</a:t>
+              <a:t>Trending tags italicized, vertical bar, permanent tags bolded</a:t>
             </a:r>
           </a:p>
           <a:p>
@@ -3894,7 +3889,6 @@
               <a:rPr lang="en-US" dirty="0"/>
               <a:t>Website Interface</a:t>
             </a:r>
-            <a:endParaRPr lang="en-US" dirty="0"/>
           </a:p>
         </p:txBody>
       </p:sp>
@@ -4004,7 +3998,6 @@
               <a:rPr lang="en-US" dirty="0" smtClean="0"/>
               <a:t>Required by various modules</a:t>
             </a:r>
-            <a:endParaRPr lang="en-US" dirty="0" smtClean="0"/>
           </a:p>
           <a:p>
             <a:endParaRPr lang="en-US" dirty="0" smtClean="0"/>
@@ -4060,7 +4053,6 @@
               <a:rPr lang="en-US" dirty="0"/>
               <a:t>Website Interface</a:t>
             </a:r>
-            <a:endParaRPr lang="en-US" dirty="0"/>
           </a:p>
         </p:txBody>
       </p:sp>
@@ -4138,7 +4130,6 @@
               <a:rPr lang="en-US" dirty="0"/>
               <a:t>Website Interface</a:t>
             </a:r>
-            <a:endParaRPr lang="en-US" dirty="0"/>
           </a:p>
         </p:txBody>
       </p:sp>
@@ -4216,7 +4207,6 @@
               <a:rPr lang="en-US" dirty="0"/>
               <a:t>Website Interface</a:t>
             </a:r>
-            <a:endParaRPr lang="en-US" dirty="0"/>
           </a:p>
         </p:txBody>
       </p:sp>
@@ -4296,7 +4286,6 @@
               <a:rPr lang="en-US" dirty="0"/>
               <a:t>Database Redesign &amp; Shared Library</a:t>
             </a:r>
-            <a:endParaRPr lang="en-US" dirty="0"/>
           </a:p>
         </p:txBody>
       </p:sp>
@@ -4346,11 +4335,7 @@
             <a:pPr lvl="1"/>
             <a:r>
               <a:rPr lang="en-US" dirty="0" smtClean="0"/>
-              <a:t>Make logical separation between algorithms and </a:t>
-            </a:r>
-            <a:r>
-              <a:rPr lang="en-US" dirty="0" smtClean="0"/>
-              <a:t>MySQL database interaction</a:t>
+              <a:t>Make logical separation between algorithms and MySQL database interaction</a:t>
             </a:r>
           </a:p>
           <a:p>
@@ -4363,7 +4348,6 @@
               <a:rPr lang="en-US" dirty="0" smtClean="0"/>
               <a:t>MySQL</a:t>
             </a:r>
-            <a:endParaRPr lang="en-US" dirty="0" smtClean="0"/>
           </a:p>
         </p:txBody>
       </p:sp>
@@ -4418,7 +4402,6 @@
               <a:rPr lang="en-US" dirty="0"/>
               <a:t>Database Redesign &amp; Shared Library</a:t>
             </a:r>
-            <a:endParaRPr lang="en-US" dirty="0"/>
           </a:p>
         </p:txBody>
       </p:sp>
@@ -4498,7 +4481,6 @@
               <a:rPr lang="en-US" dirty="0"/>
               <a:t>RSS &amp; Web Scraping</a:t>
             </a:r>
-            <a:endParaRPr lang="en-US" dirty="0"/>
           </a:p>
         </p:txBody>
       </p:sp>
@@ -4557,12 +4539,12 @@
               <a:t>Get </a:t>
             </a:r>
             <a:r>
-              <a:rPr lang="en-US" dirty="0" err="1" smtClean="0"/>
-              <a:t>DataMean</a:t>
-            </a:r>
-            <a:r>
-              <a:rPr lang="en-US" dirty="0" smtClean="0"/>
-              <a:t> object to Process</a:t>
+              <a:rPr lang="en-US" smtClean="0"/>
+              <a:t>DataMeans </a:t>
+            </a:r>
+            <a:r>
+              <a:rPr lang="en-US" dirty="0" smtClean="0"/>
+              <a:t>object to Process</a:t>
             </a:r>
           </a:p>
           <a:p>
@@ -4592,7 +4574,6 @@
               <a:rPr lang="en-US" dirty="0" smtClean="0"/>
               <a:t>Insert data into MySQL as DataStored</a:t>
             </a:r>
-            <a:endParaRPr lang="en-US" dirty="0" smtClean="0"/>
           </a:p>
           <a:p>
             <a:endParaRPr lang="en-US" dirty="0" smtClean="0"/>
@@ -4650,7 +4631,6 @@
               <a:rPr lang="en-US" dirty="0"/>
               <a:t>RSS &amp; Web Scraping</a:t>
             </a:r>
-            <a:endParaRPr lang="en-US" dirty="0"/>
           </a:p>
         </p:txBody>
       </p:sp>
@@ -4703,7 +4683,6 @@
               <a:rPr lang="en-US" dirty="0" smtClean="0"/>
               <a:t>Combined many RSS parsing objects into single feed parser</a:t>
             </a:r>
-            <a:endParaRPr lang="en-US" dirty="0" smtClean="0"/>
           </a:p>
         </p:txBody>
       </p:sp>
@@ -4779,13 +4758,8 @@
           <a:p>
             <a:r>
               <a:rPr lang="en-US" dirty="0" smtClean="0"/>
-              <a:t>Project </a:t>
-            </a:r>
-            <a:r>
-              <a:rPr lang="en-US" dirty="0" smtClean="0"/>
-              <a:t>Description &amp; Scope</a:t>
-            </a:r>
-            <a:endParaRPr lang="en-US" dirty="0" smtClean="0"/>
+              <a:t>Project Description &amp; Scope</a:t>
+            </a:r>
           </a:p>
           <a:p>
             <a:r>
@@ -4840,7 +4814,6 @@
               <a:rPr lang="en-US" dirty="0" smtClean="0"/>
               <a:t>Drupal Modules</a:t>
             </a:r>
-            <a:endParaRPr lang="en-US" dirty="0" smtClean="0"/>
           </a:p>
           <a:p>
             <a:r>
@@ -4910,7 +4883,6 @@
               <a:rPr lang="en-US" dirty="0"/>
               <a:t>Data Fusion Algorithm</a:t>
             </a:r>
-            <a:endParaRPr lang="en-US" dirty="0"/>
           </a:p>
         </p:txBody>
       </p:sp>
@@ -5037,7 +5009,6 @@
               <a:rPr lang="en-US" dirty="0"/>
               <a:t>Data Fusion Algorithm</a:t>
             </a:r>
-            <a:endParaRPr lang="en-US" dirty="0"/>
           </a:p>
         </p:txBody>
       </p:sp>
@@ -5173,7 +5144,6 @@
               <a:rPr lang="en-US" dirty="0"/>
               <a:t>Drupal Modules</a:t>
             </a:r>
-            <a:endParaRPr lang="en-US" dirty="0"/>
           </a:p>
         </p:txBody>
       </p:sp>
@@ -5205,7 +5175,6 @@
               <a:rPr lang="en-US" dirty="0" smtClean="0"/>
               <a:t>Appear on any given article</a:t>
             </a:r>
-            <a:endParaRPr lang="en-US" dirty="0" smtClean="0"/>
           </a:p>
           <a:p>
             <a:r>
@@ -5219,7 +5188,6 @@
               <a:rPr lang="en-US" dirty="0" smtClean="0"/>
               <a:t>Add a source like The New York Times</a:t>
             </a:r>
-            <a:endParaRPr lang="en-US" dirty="0" smtClean="0"/>
           </a:p>
           <a:p>
             <a:r>
@@ -5246,7 +5214,6 @@
               <a:rPr lang="en-US" dirty="0" smtClean="0"/>
               <a:t>Approve a New York Times article to be listed as a similar article for the current article shown</a:t>
             </a:r>
-            <a:endParaRPr lang="en-US" dirty="0" smtClean="0"/>
           </a:p>
           <a:p>
             <a:endParaRPr lang="en-US" dirty="0" smtClean="0"/>
@@ -5304,7 +5271,6 @@
               <a:rPr lang="en-US" dirty="0"/>
               <a:t>Drupal Modules</a:t>
             </a:r>
-            <a:endParaRPr lang="en-US" dirty="0"/>
           </a:p>
         </p:txBody>
       </p:sp>
@@ -5384,7 +5350,6 @@
               <a:rPr lang="en-US" dirty="0"/>
               <a:t>Drupal Modules</a:t>
             </a:r>
-            <a:endParaRPr lang="en-US" dirty="0"/>
           </a:p>
         </p:txBody>
       </p:sp>
@@ -5464,7 +5429,6 @@
               <a:rPr lang="en-US" dirty="0"/>
               <a:t>Drupal Modules</a:t>
             </a:r>
-            <a:endParaRPr lang="en-US" dirty="0"/>
           </a:p>
         </p:txBody>
       </p:sp>
@@ -5544,7 +5508,6 @@
               <a:rPr lang="en-US" dirty="0"/>
               <a:t>Drupal Modules</a:t>
             </a:r>
-            <a:endParaRPr lang="en-US" dirty="0"/>
           </a:p>
         </p:txBody>
       </p:sp>
@@ -5624,7 +5587,6 @@
               <a:rPr lang="en-US" dirty="0"/>
               <a:t>Drupal Modules</a:t>
             </a:r>
-            <a:endParaRPr lang="en-US" dirty="0"/>
           </a:p>
         </p:txBody>
       </p:sp>
@@ -5704,7 +5666,6 @@
               <a:rPr lang="en-US" dirty="0"/>
               <a:t>Drupal Modules</a:t>
             </a:r>
-            <a:endParaRPr lang="en-US" dirty="0"/>
           </a:p>
         </p:txBody>
       </p:sp>
@@ -5784,7 +5745,6 @@
               <a:rPr lang="en-US" dirty="0"/>
               <a:t>Drupal Modules</a:t>
             </a:r>
-            <a:endParaRPr lang="en-US" dirty="0"/>
           </a:p>
         </p:txBody>
       </p:sp>
@@ -5957,7 +5917,6 @@
               <a:rPr lang="en-US" dirty="0"/>
               <a:t>Drupal Modules</a:t>
             </a:r>
-            <a:endParaRPr lang="en-US" dirty="0"/>
           </a:p>
         </p:txBody>
       </p:sp>

--- a/se_process/milestone3/milestone3.pptx
+++ b/se_process/milestone3/milestone3.pptx
@@ -493,6 +493,90 @@
     </a:lvl9pPr>
   </p:notesStyle>
 </p:notesMaster>
+</file>
+
+<file path=ppt/notesSlides/notesSlide1.xml><?xml version="1.0" encoding="utf-8"?>
+<p:notes xmlns:a="http://schemas.openxmlformats.org/drawingml/2006/main" xmlns:r="http://schemas.openxmlformats.org/officeDocument/2006/relationships" xmlns:p="http://schemas.openxmlformats.org/presentationml/2006/main">
+  <p:cSld>
+    <p:spTree>
+      <p:nvGrpSpPr>
+        <p:cNvPr id="1" name=""/>
+        <p:cNvGrpSpPr/>
+        <p:nvPr/>
+      </p:nvGrpSpPr>
+      <p:grpSpPr>
+        <a:xfrm>
+          <a:off x="0" y="0"/>
+          <a:ext cx="0" cy="0"/>
+          <a:chOff x="0" y="0"/>
+          <a:chExt cx="0" cy="0"/>
+        </a:xfrm>
+      </p:grpSpPr>
+      <p:sp>
+        <p:nvSpPr>
+          <p:cNvPr id="2" name="Slide Image Placeholder 1"/>
+          <p:cNvSpPr>
+            <a:spLocks noGrp="1" noRot="1" noChangeAspect="1"/>
+          </p:cNvSpPr>
+          <p:nvPr>
+            <p:ph type="sldImg"/>
+          </p:nvPr>
+        </p:nvSpPr>
+        <p:spPr/>
+      </p:sp>
+      <p:sp>
+        <p:nvSpPr>
+          <p:cNvPr id="3" name="Notes Placeholder 2"/>
+          <p:cNvSpPr>
+            <a:spLocks noGrp="1"/>
+          </p:cNvSpPr>
+          <p:nvPr>
+            <p:ph type="body" idx="1"/>
+          </p:nvPr>
+        </p:nvSpPr>
+        <p:spPr/>
+        <p:txBody>
+          <a:bodyPr/>
+          <a:lstStyle/>
+          <a:p>
+            <a:endParaRPr lang="en-US" dirty="0"/>
+          </a:p>
+        </p:txBody>
+      </p:sp>
+      <p:sp>
+        <p:nvSpPr>
+          <p:cNvPr id="4" name="Slide Number Placeholder 3"/>
+          <p:cNvSpPr>
+            <a:spLocks noGrp="1"/>
+          </p:cNvSpPr>
+          <p:nvPr>
+            <p:ph type="sldNum" sz="quarter" idx="10"/>
+          </p:nvPr>
+        </p:nvSpPr>
+        <p:spPr/>
+        <p:txBody>
+          <a:bodyPr/>
+          <a:lstStyle/>
+          <a:p>
+            <a:fld id="{23135881-2416-0642-BBD6-3E35F7F3D7A4}" type="slidenum">
+              <a:rPr lang="en-US" smtClean="0"/>
+              <a:t>19</a:t>
+            </a:fld>
+            <a:endParaRPr lang="en-US"/>
+          </a:p>
+        </p:txBody>
+      </p:sp>
+    </p:spTree>
+    <p:extLst>
+      <p:ext uri="{BB962C8B-B14F-4D97-AF65-F5344CB8AC3E}">
+        <p14:creationId xmlns:p14="http://schemas.microsoft.com/office/powerpoint/2010/main" val="3193062807"/>
+      </p:ext>
+    </p:extLst>
+  </p:cSld>
+  <p:clrMapOvr>
+    <a:masterClrMapping/>
+  </p:clrMapOvr>
+</p:notes>
 </file>
 
 <file path=ppt/slideLayouts/slideLayout1.xml><?xml version="1.0" encoding="utf-8"?>
@@ -4497,7 +4581,7 @@
         <p:spPr/>
         <p:txBody>
           <a:bodyPr>
-            <a:normAutofit lnSpcReduction="10000"/>
+            <a:normAutofit/>
           </a:bodyPr>
           <a:lstStyle/>
           <a:p>
@@ -4510,8 +4594,17 @@
             <a:pPr lvl="1"/>
             <a:r>
               <a:rPr lang="en-US" dirty="0" smtClean="0"/>
-              <a:t>Download RSS feeds and HTML pages</a:t>
-            </a:r>
+              <a:t>Parse </a:t>
+            </a:r>
+            <a:r>
+              <a:rPr lang="en-US" dirty="0" smtClean="0"/>
+              <a:t>RSS </a:t>
+            </a:r>
+            <a:r>
+              <a:rPr lang="en-US" dirty="0" smtClean="0"/>
+              <a:t>feeds for individual posts</a:t>
+            </a:r>
+            <a:endParaRPr lang="en-US" dirty="0" smtClean="0"/>
           </a:p>
           <a:p>
             <a:r>
@@ -4523,8 +4616,13 @@
             <a:pPr lvl="1"/>
             <a:r>
               <a:rPr lang="en-US" dirty="0" smtClean="0"/>
-              <a:t>XML Parsing of documents in RSS feeds</a:t>
-            </a:r>
+              <a:t>XML Parsing </a:t>
+            </a:r>
+            <a:r>
+              <a:rPr lang="en-US" dirty="0" smtClean="0"/>
+              <a:t>for ROME</a:t>
+            </a:r>
+            <a:endParaRPr lang="en-US" dirty="0" smtClean="0"/>
           </a:p>
           <a:p>
             <a:r>
@@ -4539,12 +4637,12 @@
               <a:t>Get </a:t>
             </a:r>
             <a:r>
-              <a:rPr lang="en-US" smtClean="0"/>
-              <a:t>DataMeans </a:t>
-            </a:r>
-            <a:r>
-              <a:rPr lang="en-US" dirty="0" smtClean="0"/>
-              <a:t>object to Process</a:t>
+              <a:rPr lang="en-US" dirty="0" err="1" smtClean="0"/>
+              <a:t>DataMeans</a:t>
+            </a:r>
+            <a:r>
+              <a:rPr lang="en-US" dirty="0" smtClean="0"/>
+              <a:t> object to Process</a:t>
             </a:r>
           </a:p>
           <a:p>
@@ -4558,21 +4656,23 @@
             <a:pPr lvl="1"/>
             <a:r>
               <a:rPr lang="en-US" dirty="0" smtClean="0"/>
-              <a:t>Use ROME to get RSS feed</a:t>
-            </a:r>
+              <a:t>Use ROME to </a:t>
+            </a:r>
+            <a:r>
+              <a:rPr lang="en-US" dirty="0" smtClean="0"/>
+              <a:t>get new RSS posts from feed</a:t>
+            </a:r>
+            <a:endParaRPr lang="en-US" dirty="0" smtClean="0"/>
           </a:p>
           <a:p>
             <a:pPr lvl="1"/>
             <a:r>
               <a:rPr lang="en-US" dirty="0" smtClean="0"/>
-              <a:t>Use JDOM to parse XML</a:t>
-            </a:r>
-          </a:p>
-          <a:p>
-            <a:pPr lvl="1"/>
-            <a:r>
-              <a:rPr lang="en-US" dirty="0" smtClean="0"/>
-              <a:t>Insert data into MySQL as DataStored</a:t>
+              <a:t>Insert </a:t>
+            </a:r>
+            <a:r>
+              <a:rPr lang="en-US" dirty="0" smtClean="0"/>
+              <a:t>data into MySQL as DataStored</a:t>
             </a:r>
           </a:p>
           <a:p>
@@ -4674,7 +4774,23 @@
             <a:pPr lvl="1"/>
             <a:r>
               <a:rPr lang="en-US" dirty="0" smtClean="0"/>
-              <a:t>DateTime field in DataMeans to determine if RSS posts should be aggregated</a:t>
+              <a:t>DateTime field in DataMeans to determine </a:t>
+            </a:r>
+            <a:r>
+              <a:rPr lang="en-US" dirty="0" smtClean="0"/>
+              <a:t>if an </a:t>
+            </a:r>
+            <a:r>
+              <a:rPr lang="en-US" dirty="0" smtClean="0"/>
+              <a:t>RSS </a:t>
+            </a:r>
+            <a:r>
+              <a:rPr lang="en-US" dirty="0" smtClean="0"/>
+              <a:t>post </a:t>
+            </a:r>
+            <a:r>
+              <a:rPr lang="en-US" dirty="0" smtClean="0"/>
+              <a:t>should be aggregated</a:t>
             </a:r>
           </a:p>
           <a:p>
